--- a/프로젝트발표.pptx
+++ b/프로젝트발표.pptx
@@ -5,7 +5,7 @@
     <p:sldMasterId id="2147483696" r:id="rId1"/>
   </p:sldMasterIdLst>
   <p:handoutMasterIdLst>
-    <p:handoutMasterId r:id="rId13"/>
+    <p:handoutMasterId r:id="rId19"/>
   </p:handoutMasterIdLst>
   <p:sldIdLst>
     <p:sldId id="275" r:id="rId2"/>
@@ -14,24 +14,30 @@
     <p:sldId id="282" r:id="rId5"/>
     <p:sldId id="283" r:id="rId6"/>
     <p:sldId id="285" r:id="rId7"/>
-    <p:sldId id="286" r:id="rId8"/>
-    <p:sldId id="287" r:id="rId9"/>
-    <p:sldId id="288" r:id="rId10"/>
-    <p:sldId id="290" r:id="rId11"/>
-    <p:sldId id="289" r:id="rId12"/>
+    <p:sldId id="296" r:id="rId8"/>
+    <p:sldId id="286" r:id="rId9"/>
+    <p:sldId id="287" r:id="rId10"/>
+    <p:sldId id="291" r:id="rId11"/>
+    <p:sldId id="294" r:id="rId12"/>
+    <p:sldId id="297" r:id="rId13"/>
+    <p:sldId id="293" r:id="rId14"/>
+    <p:sldId id="295" r:id="rId15"/>
+    <p:sldId id="288" r:id="rId16"/>
+    <p:sldId id="290" r:id="rId17"/>
+    <p:sldId id="289" r:id="rId18"/>
   </p:sldIdLst>
   <p:sldSz cx="9144000" cy="6858000" type="screen4x3"/>
   <p:notesSz cx="6858000" cy="9144000"/>
   <p:embeddedFontLst>
     <p:embeddedFont>
       <p:font typeface="나눔바른고딕" charset="-127"/>
-      <p:regular r:id="rId14"/>
-      <p:bold r:id="rId15"/>
+      <p:regular r:id="rId20"/>
+      <p:bold r:id="rId21"/>
     </p:embeddedFont>
     <p:embeddedFont>
       <p:font typeface="맑은 고딕" pitchFamily="50" charset="-127"/>
-      <p:regular r:id="rId16"/>
-      <p:bold r:id="rId17"/>
+      <p:regular r:id="rId22"/>
+      <p:bold r:id="rId23"/>
     </p:embeddedFont>
   </p:embeddedFontLst>
   <p:defaultTextStyle>
@@ -131,7 +137,7 @@
   </p:defaultTextStyle>
   <p:extLst>
     <p:ext uri="{EFAFB233-063F-42B5-8137-9DF3F51BA10A}">
-      <p15:sldGuideLst xmlns:p15="http://schemas.microsoft.com/office/powerpoint/2012/main" xmlns="">
+      <p15:sldGuideLst xmlns="" xmlns:p15="http://schemas.microsoft.com/office/powerpoint/2012/main">
         <p15:guide id="1" orient="horz" pos="2160" userDrawn="1">
           <p15:clr>
             <a:srgbClr val="A4A3A4"/>
@@ -145,7 +151,7 @@
       </p15:sldGuideLst>
     </p:ext>
     <p:ext uri="{2D200454-40CA-4A62-9FC3-DE9A4176ACB9}">
-      <p15:notesGuideLst xmlns:p15="http://schemas.microsoft.com/office/powerpoint/2012/main" xmlns=""/>
+      <p15:notesGuideLst xmlns="" xmlns:p15="http://schemas.microsoft.com/office/powerpoint/2012/main"/>
     </p:ext>
   </p:extLst>
 </p:presentation>
@@ -301,7 +307,7 @@
             <a:fld id="{22DC2647-C259-4EB5-84B8-93A3F8E54DE7}" type="datetimeFigureOut">
               <a:rPr lang="ko-KR" altLang="en-US" smtClean="0"/>
               <a:pPr/>
-              <a:t>2020-05-28</a:t>
+              <a:t>2020-06-01</a:t>
             </a:fld>
             <a:endParaRPr lang="ko-KR" altLang="en-US"/>
           </a:p>
@@ -310,7 +316,7 @@
     </p:spTree>
     <p:extLst>
       <p:ext uri="{BB962C8B-B14F-4D97-AF65-F5344CB8AC3E}">
-        <p14:creationId xmlns:p14="http://schemas.microsoft.com/office/powerpoint/2010/main" xmlns="" val="719866665"/>
+        <p14:creationId xmlns="" xmlns:p14="http://schemas.microsoft.com/office/powerpoint/2010/main" val="719866665"/>
       </p:ext>
     </p:extLst>
   </p:cSld>
@@ -450,7 +456,7 @@
             <a:fld id="{8771C398-EBCC-4210-8AFD-1D056CED0821}" type="datetimeFigureOut">
               <a:rPr lang="ko-KR" altLang="en-US" smtClean="0"/>
               <a:pPr/>
-              <a:t>2020-05-28</a:t>
+              <a:t>2020-06-01</a:t>
             </a:fld>
             <a:endParaRPr lang="ko-KR" altLang="en-US"/>
           </a:p>
@@ -502,7 +508,7 @@
     </p:spTree>
     <p:extLst>
       <p:ext uri="{BB962C8B-B14F-4D97-AF65-F5344CB8AC3E}">
-        <p14:creationId xmlns:p14="http://schemas.microsoft.com/office/powerpoint/2010/main" xmlns="" val="53820432"/>
+        <p14:creationId xmlns="" xmlns:p14="http://schemas.microsoft.com/office/powerpoint/2010/main" val="53820432"/>
       </p:ext>
     </p:extLst>
   </p:cSld>
@@ -622,7 +628,7 @@
             <a:fld id="{8771C398-EBCC-4210-8AFD-1D056CED0821}" type="datetimeFigureOut">
               <a:rPr lang="ko-KR" altLang="en-US" smtClean="0"/>
               <a:pPr/>
-              <a:t>2020-05-28</a:t>
+              <a:t>2020-06-01</a:t>
             </a:fld>
             <a:endParaRPr lang="ko-KR" altLang="en-US"/>
           </a:p>
@@ -674,7 +680,7 @@
     </p:spTree>
     <p:extLst>
       <p:ext uri="{BB962C8B-B14F-4D97-AF65-F5344CB8AC3E}">
-        <p14:creationId xmlns:p14="http://schemas.microsoft.com/office/powerpoint/2010/main" xmlns="" val="794629748"/>
+        <p14:creationId xmlns="" xmlns:p14="http://schemas.microsoft.com/office/powerpoint/2010/main" val="794629748"/>
       </p:ext>
     </p:extLst>
   </p:cSld>
@@ -804,7 +810,7 @@
             <a:fld id="{8771C398-EBCC-4210-8AFD-1D056CED0821}" type="datetimeFigureOut">
               <a:rPr lang="ko-KR" altLang="en-US" smtClean="0"/>
               <a:pPr/>
-              <a:t>2020-05-28</a:t>
+              <a:t>2020-06-01</a:t>
             </a:fld>
             <a:endParaRPr lang="ko-KR" altLang="en-US"/>
           </a:p>
@@ -856,7 +862,7 @@
     </p:spTree>
     <p:extLst>
       <p:ext uri="{BB962C8B-B14F-4D97-AF65-F5344CB8AC3E}">
-        <p14:creationId xmlns:p14="http://schemas.microsoft.com/office/powerpoint/2010/main" xmlns="" val="985342210"/>
+        <p14:creationId xmlns="" xmlns:p14="http://schemas.microsoft.com/office/powerpoint/2010/main" val="985342210"/>
       </p:ext>
     </p:extLst>
   </p:cSld>
@@ -976,7 +982,7 @@
             <a:fld id="{8771C398-EBCC-4210-8AFD-1D056CED0821}" type="datetimeFigureOut">
               <a:rPr lang="ko-KR" altLang="en-US" smtClean="0"/>
               <a:pPr/>
-              <a:t>2020-05-28</a:t>
+              <a:t>2020-06-01</a:t>
             </a:fld>
             <a:endParaRPr lang="ko-KR" altLang="en-US"/>
           </a:p>
@@ -1028,7 +1034,7 @@
     </p:spTree>
     <p:extLst>
       <p:ext uri="{BB962C8B-B14F-4D97-AF65-F5344CB8AC3E}">
-        <p14:creationId xmlns:p14="http://schemas.microsoft.com/office/powerpoint/2010/main" xmlns="" val="2677773609"/>
+        <p14:creationId xmlns="" xmlns:p14="http://schemas.microsoft.com/office/powerpoint/2010/main" val="2677773609"/>
       </p:ext>
     </p:extLst>
   </p:cSld>
@@ -1222,7 +1228,7 @@
             <a:fld id="{8771C398-EBCC-4210-8AFD-1D056CED0821}" type="datetimeFigureOut">
               <a:rPr lang="ko-KR" altLang="en-US" smtClean="0"/>
               <a:pPr/>
-              <a:t>2020-05-28</a:t>
+              <a:t>2020-06-01</a:t>
             </a:fld>
             <a:endParaRPr lang="ko-KR" altLang="en-US"/>
           </a:p>
@@ -1274,7 +1280,7 @@
     </p:spTree>
     <p:extLst>
       <p:ext uri="{BB962C8B-B14F-4D97-AF65-F5344CB8AC3E}">
-        <p14:creationId xmlns:p14="http://schemas.microsoft.com/office/powerpoint/2010/main" xmlns="" val="509005685"/>
+        <p14:creationId xmlns="" xmlns:p14="http://schemas.microsoft.com/office/powerpoint/2010/main" val="509005685"/>
       </p:ext>
     </p:extLst>
   </p:cSld>
@@ -1456,7 +1462,7 @@
             <a:fld id="{8771C398-EBCC-4210-8AFD-1D056CED0821}" type="datetimeFigureOut">
               <a:rPr lang="ko-KR" altLang="en-US" smtClean="0"/>
               <a:pPr/>
-              <a:t>2020-05-28</a:t>
+              <a:t>2020-06-01</a:t>
             </a:fld>
             <a:endParaRPr lang="ko-KR" altLang="en-US"/>
           </a:p>
@@ -1508,7 +1514,7 @@
     </p:spTree>
     <p:extLst>
       <p:ext uri="{BB962C8B-B14F-4D97-AF65-F5344CB8AC3E}">
-        <p14:creationId xmlns:p14="http://schemas.microsoft.com/office/powerpoint/2010/main" xmlns="" val="4054336201"/>
+        <p14:creationId xmlns="" xmlns:p14="http://schemas.microsoft.com/office/powerpoint/2010/main" val="4054336201"/>
       </p:ext>
     </p:extLst>
   </p:cSld>
@@ -1832,7 +1838,7 @@
             <a:fld id="{8771C398-EBCC-4210-8AFD-1D056CED0821}" type="datetimeFigureOut">
               <a:rPr lang="ko-KR" altLang="en-US" smtClean="0"/>
               <a:pPr/>
-              <a:t>2020-05-28</a:t>
+              <a:t>2020-06-01</a:t>
             </a:fld>
             <a:endParaRPr lang="ko-KR" altLang="en-US"/>
           </a:p>
@@ -1884,7 +1890,7 @@
     </p:spTree>
     <p:extLst>
       <p:ext uri="{BB962C8B-B14F-4D97-AF65-F5344CB8AC3E}">
-        <p14:creationId xmlns:p14="http://schemas.microsoft.com/office/powerpoint/2010/main" xmlns="" val="524001442"/>
+        <p14:creationId xmlns="" xmlns:p14="http://schemas.microsoft.com/office/powerpoint/2010/main" val="524001442"/>
       </p:ext>
     </p:extLst>
   </p:cSld>
@@ -1952,7 +1958,7 @@
             <a:fld id="{8771C398-EBCC-4210-8AFD-1D056CED0821}" type="datetimeFigureOut">
               <a:rPr lang="ko-KR" altLang="en-US" smtClean="0"/>
               <a:pPr/>
-              <a:t>2020-05-28</a:t>
+              <a:t>2020-06-01</a:t>
             </a:fld>
             <a:endParaRPr lang="ko-KR" altLang="en-US"/>
           </a:p>
@@ -2004,7 +2010,7 @@
     </p:spTree>
     <p:extLst>
       <p:ext uri="{BB962C8B-B14F-4D97-AF65-F5344CB8AC3E}">
-        <p14:creationId xmlns:p14="http://schemas.microsoft.com/office/powerpoint/2010/main" xmlns="" val="4050569386"/>
+        <p14:creationId xmlns="" xmlns:p14="http://schemas.microsoft.com/office/powerpoint/2010/main" val="4050569386"/>
       </p:ext>
     </p:extLst>
   </p:cSld>
@@ -2049,7 +2055,7 @@
             <a:fld id="{8771C398-EBCC-4210-8AFD-1D056CED0821}" type="datetimeFigureOut">
               <a:rPr lang="ko-KR" altLang="en-US" smtClean="0"/>
               <a:pPr/>
-              <a:t>2020-05-28</a:t>
+              <a:t>2020-06-01</a:t>
             </a:fld>
             <a:endParaRPr lang="ko-KR" altLang="en-US"/>
           </a:p>
@@ -2101,7 +2107,7 @@
     </p:spTree>
     <p:extLst>
       <p:ext uri="{BB962C8B-B14F-4D97-AF65-F5344CB8AC3E}">
-        <p14:creationId xmlns:p14="http://schemas.microsoft.com/office/powerpoint/2010/main" xmlns="" val="1631535916"/>
+        <p14:creationId xmlns="" xmlns:p14="http://schemas.microsoft.com/office/powerpoint/2010/main" val="1631535916"/>
       </p:ext>
     </p:extLst>
   </p:cSld>
@@ -2335,7 +2341,7 @@
             <a:fld id="{8771C398-EBCC-4210-8AFD-1D056CED0821}" type="datetimeFigureOut">
               <a:rPr lang="ko-KR" altLang="en-US" smtClean="0"/>
               <a:pPr/>
-              <a:t>2020-05-28</a:t>
+              <a:t>2020-06-01</a:t>
             </a:fld>
             <a:endParaRPr lang="ko-KR" altLang="en-US"/>
           </a:p>
@@ -2387,7 +2393,7 @@
     </p:spTree>
     <p:extLst>
       <p:ext uri="{BB962C8B-B14F-4D97-AF65-F5344CB8AC3E}">
-        <p14:creationId xmlns:p14="http://schemas.microsoft.com/office/powerpoint/2010/main" xmlns="" val="1778657663"/>
+        <p14:creationId xmlns="" xmlns:p14="http://schemas.microsoft.com/office/powerpoint/2010/main" val="1778657663"/>
       </p:ext>
     </p:extLst>
   </p:cSld>
@@ -2594,7 +2600,7 @@
             <a:fld id="{8771C398-EBCC-4210-8AFD-1D056CED0821}" type="datetimeFigureOut">
               <a:rPr lang="ko-KR" altLang="en-US" smtClean="0"/>
               <a:pPr/>
-              <a:t>2020-05-28</a:t>
+              <a:t>2020-06-01</a:t>
             </a:fld>
             <a:endParaRPr lang="ko-KR" altLang="en-US"/>
           </a:p>
@@ -2646,7 +2652,7 @@
     </p:spTree>
     <p:extLst>
       <p:ext uri="{BB962C8B-B14F-4D97-AF65-F5344CB8AC3E}">
-        <p14:creationId xmlns:p14="http://schemas.microsoft.com/office/powerpoint/2010/main" xmlns="" val="2602110988"/>
+        <p14:creationId xmlns="" xmlns:p14="http://schemas.microsoft.com/office/powerpoint/2010/main" val="2602110988"/>
       </p:ext>
     </p:extLst>
   </p:cSld>
@@ -2812,7 +2818,7 @@
             <a:fld id="{8771C398-EBCC-4210-8AFD-1D056CED0821}" type="datetimeFigureOut">
               <a:rPr lang="ko-KR" altLang="en-US" smtClean="0"/>
               <a:pPr/>
-              <a:t>2020-05-28</a:t>
+              <a:t>2020-06-01</a:t>
             </a:fld>
             <a:endParaRPr lang="ko-KR" altLang="en-US"/>
           </a:p>
@@ -2900,7 +2906,7 @@
     </p:spTree>
     <p:extLst>
       <p:ext uri="{BB962C8B-B14F-4D97-AF65-F5344CB8AC3E}">
-        <p14:creationId xmlns:p14="http://schemas.microsoft.com/office/powerpoint/2010/main" xmlns="" val="706592081"/>
+        <p14:creationId xmlns="" xmlns:p14="http://schemas.microsoft.com/office/powerpoint/2010/main" val="706592081"/>
       </p:ext>
     </p:extLst>
   </p:cSld>
@@ -3261,15 +3267,7 @@
                   <a:srgbClr val="525252"/>
                 </a:solidFill>
               </a:rPr>
-              <a:t>알고리</a:t>
-            </a:r>
-            <a:r>
-              <a:rPr lang="ko-KR" altLang="en-US" sz="3200" spc="-150" dirty="0" smtClean="0">
-                <a:solidFill>
-                  <a:srgbClr val="525252"/>
-                </a:solidFill>
-              </a:rPr>
-              <a:t>즘</a:t>
+              <a:t>알고리즘</a:t>
             </a:r>
             <a:endParaRPr lang="ko-KR" altLang="en-US" sz="3200" spc="-150" dirty="0">
               <a:solidFill>
@@ -3609,15 +3607,7 @@
                   <a:schemeClr val="tx1"/>
                 </a:solidFill>
               </a:rPr>
-              <a:t>5</a:t>
-            </a:r>
-            <a:r>
-              <a:rPr lang="en-US" altLang="ko-KR" sz="2000" dirty="0" smtClean="0">
-                <a:solidFill>
-                  <a:schemeClr val="tx1"/>
-                </a:solidFill>
-              </a:rPr>
-              <a:t>/16</a:t>
+              <a:t>5/16</a:t>
             </a:r>
             <a:endParaRPr lang="ko-KR" altLang="en-US" sz="2000" dirty="0">
               <a:solidFill>
@@ -3804,7 +3794,7 @@
     </p:spTree>
     <p:extLst>
       <p:ext uri="{BB962C8B-B14F-4D97-AF65-F5344CB8AC3E}">
-        <p14:creationId xmlns:p14="http://schemas.microsoft.com/office/powerpoint/2010/main" xmlns="" val="3515428851"/>
+        <p14:creationId xmlns="" xmlns:p14="http://schemas.microsoft.com/office/powerpoint/2010/main" val="3515428851"/>
       </p:ext>
     </p:extLst>
   </p:cSld>
@@ -3840,52 +3830,6 @@
       </p:grpSpPr>
       <p:sp>
         <p:nvSpPr>
-          <p:cNvPr id="15" name="TextBox 14"/>
-          <p:cNvSpPr txBox="1"/>
-          <p:nvPr/>
-        </p:nvSpPr>
-        <p:spPr>
-          <a:xfrm>
-            <a:off x="6067817" y="750776"/>
-            <a:ext cx="2254143" cy="400110"/>
-          </a:xfrm>
-          <a:prstGeom prst="rect">
-            <a:avLst/>
-          </a:prstGeom>
-          <a:noFill/>
-        </p:spPr>
-        <p:txBody>
-          <a:bodyPr wrap="none" rtlCol="0">
-            <a:spAutoFit/>
-          </a:bodyPr>
-          <a:lstStyle/>
-          <a:p>
-            <a:r>
-              <a:rPr lang="en-US" altLang="ko-KR" sz="2000" spc="-150" dirty="0" smtClean="0">
-                <a:solidFill>
-                  <a:srgbClr val="525252"/>
-                </a:solidFill>
-              </a:rPr>
-              <a:t>Floyd Steinberg </a:t>
-            </a:r>
-            <a:r>
-              <a:rPr lang="ko-KR" altLang="en-US" sz="2000" spc="-150" dirty="0" smtClean="0">
-                <a:solidFill>
-                  <a:srgbClr val="525252"/>
-                </a:solidFill>
-              </a:rPr>
-              <a:t>결과</a:t>
-            </a:r>
-            <a:endParaRPr lang="en-US" altLang="ko-KR" sz="2000" spc="-150" dirty="0" smtClean="0">
-              <a:solidFill>
-                <a:srgbClr val="525252"/>
-              </a:solidFill>
-            </a:endParaRPr>
-          </a:p>
-        </p:txBody>
-      </p:sp>
-      <p:sp>
-        <p:nvSpPr>
           <p:cNvPr id="9" name="직사각형 8"/>
           <p:cNvSpPr/>
           <p:nvPr/>
@@ -3935,14 +3879,540 @@
       </p:sp>
       <p:sp>
         <p:nvSpPr>
-          <p:cNvPr id="8" name="TextBox 7"/>
+          <p:cNvPr id="8" name="직사각형 7"/>
+          <p:cNvSpPr/>
+          <p:nvPr/>
+        </p:nvSpPr>
+        <p:spPr>
+          <a:xfrm>
+            <a:off x="495113" y="1692692"/>
+            <a:ext cx="8542751" cy="488515"/>
+          </a:xfrm>
+          <a:prstGeom prst="rect">
+            <a:avLst/>
+          </a:prstGeom>
+          <a:noFill/>
+          <a:ln>
+            <a:solidFill>
+              <a:schemeClr val="bg1"/>
+            </a:solidFill>
+          </a:ln>
+        </p:spPr>
+        <p:style>
+          <a:lnRef idx="2">
+            <a:schemeClr val="accent1">
+              <a:shade val="50000"/>
+            </a:schemeClr>
+          </a:lnRef>
+          <a:fillRef idx="1">
+            <a:schemeClr val="accent1"/>
+          </a:fillRef>
+          <a:effectRef idx="0">
+            <a:schemeClr val="accent1"/>
+          </a:effectRef>
+          <a:fontRef idx="minor">
+            <a:schemeClr val="lt1"/>
+          </a:fontRef>
+        </p:style>
+        <p:txBody>
+          <a:bodyPr rtlCol="0" anchor="ctr"/>
+          <a:lstStyle/>
+          <a:p>
+            <a:r>
+              <a:rPr lang="en-US" altLang="ko-KR" sz="2000" dirty="0" smtClean="0">
+                <a:solidFill>
+                  <a:schemeClr val="tx1"/>
+                </a:solidFill>
+              </a:rPr>
+              <a:t>1</a:t>
+            </a:r>
+            <a:r>
+              <a:rPr lang="en-US" altLang="ko-KR" sz="2000" dirty="0" smtClean="0">
+                <a:solidFill>
+                  <a:schemeClr val="tx1"/>
+                </a:solidFill>
+              </a:rPr>
+              <a:t>) </a:t>
+            </a:r>
+            <a:r>
+              <a:rPr lang="ko-KR" altLang="en-US" sz="2000" dirty="0" smtClean="0">
+                <a:solidFill>
+                  <a:schemeClr val="tx1"/>
+                </a:solidFill>
+              </a:rPr>
+              <a:t>정규분포 </a:t>
+            </a:r>
+            <a:r>
+              <a:rPr lang="ko-KR" altLang="en-US" sz="2000" dirty="0" err="1" smtClean="0">
+                <a:solidFill>
+                  <a:schemeClr val="tx1"/>
+                </a:solidFill>
+              </a:rPr>
+              <a:t>난수</a:t>
+            </a:r>
+            <a:r>
+              <a:rPr lang="ko-KR" altLang="en-US" sz="2000" dirty="0" smtClean="0">
+                <a:solidFill>
+                  <a:schemeClr val="tx1"/>
+                </a:solidFill>
+              </a:rPr>
+              <a:t> 발생 알고리즘으로 </a:t>
+            </a:r>
+            <a:r>
+              <a:rPr lang="ko-KR" altLang="en-US" sz="2000" dirty="0" err="1" smtClean="0">
+                <a:solidFill>
+                  <a:schemeClr val="tx1"/>
+                </a:solidFill>
+              </a:rPr>
+              <a:t>하프톤</a:t>
+            </a:r>
+            <a:r>
+              <a:rPr lang="ko-KR" altLang="en-US" sz="2000" dirty="0" smtClean="0">
+                <a:solidFill>
+                  <a:schemeClr val="tx1"/>
+                </a:solidFill>
+              </a:rPr>
+              <a:t> 이미지 생성  </a:t>
+            </a:r>
+            <a:endParaRPr lang="ko-KR" altLang="en-US" sz="2000" dirty="0">
+              <a:solidFill>
+                <a:schemeClr val="tx1"/>
+              </a:solidFill>
+            </a:endParaRPr>
+          </a:p>
+        </p:txBody>
+      </p:sp>
+      <p:sp>
+        <p:nvSpPr>
+          <p:cNvPr id="6" name="직사각형 5"/>
+          <p:cNvSpPr/>
+          <p:nvPr/>
+        </p:nvSpPr>
+        <p:spPr>
+          <a:xfrm>
+            <a:off x="495113" y="2359442"/>
+            <a:ext cx="8542751" cy="488515"/>
+          </a:xfrm>
+          <a:prstGeom prst="rect">
+            <a:avLst/>
+          </a:prstGeom>
+          <a:noFill/>
+          <a:ln>
+            <a:solidFill>
+              <a:schemeClr val="bg1"/>
+            </a:solidFill>
+          </a:ln>
+        </p:spPr>
+        <p:style>
+          <a:lnRef idx="2">
+            <a:schemeClr val="accent1">
+              <a:shade val="50000"/>
+            </a:schemeClr>
+          </a:lnRef>
+          <a:fillRef idx="1">
+            <a:schemeClr val="accent1"/>
+          </a:fillRef>
+          <a:effectRef idx="0">
+            <a:schemeClr val="accent1"/>
+          </a:effectRef>
+          <a:fontRef idx="minor">
+            <a:schemeClr val="lt1"/>
+          </a:fontRef>
+        </p:style>
+        <p:txBody>
+          <a:bodyPr rtlCol="0" anchor="ctr"/>
+          <a:lstStyle/>
+          <a:p>
+            <a:r>
+              <a:rPr lang="en-US" altLang="ko-KR" sz="2000" dirty="0" smtClean="0">
+                <a:solidFill>
+                  <a:schemeClr val="tx1"/>
+                </a:solidFill>
+              </a:rPr>
+              <a:t>2</a:t>
+            </a:r>
+            <a:r>
+              <a:rPr lang="en-US" altLang="ko-KR" sz="2000" dirty="0" smtClean="0">
+                <a:solidFill>
+                  <a:schemeClr val="tx1"/>
+                </a:solidFill>
+              </a:rPr>
+              <a:t>) </a:t>
+            </a:r>
+            <a:r>
+              <a:rPr lang="ko-KR" altLang="en-US" sz="2000" dirty="0" err="1" smtClean="0">
+                <a:solidFill>
+                  <a:schemeClr val="tx1"/>
+                </a:solidFill>
+              </a:rPr>
+              <a:t>가우시안</a:t>
+            </a:r>
+            <a:r>
+              <a:rPr lang="ko-KR" altLang="en-US" sz="2000" dirty="0" smtClean="0">
+                <a:solidFill>
+                  <a:schemeClr val="tx1"/>
+                </a:solidFill>
+              </a:rPr>
+              <a:t> 필터 생성</a:t>
+            </a:r>
+            <a:endParaRPr lang="ko-KR" altLang="en-US" sz="2000" dirty="0">
+              <a:solidFill>
+                <a:schemeClr val="tx1"/>
+              </a:solidFill>
+            </a:endParaRPr>
+          </a:p>
+        </p:txBody>
+      </p:sp>
+      <p:sp>
+        <p:nvSpPr>
+          <p:cNvPr id="7" name="직사각형 6"/>
+          <p:cNvSpPr/>
+          <p:nvPr/>
+        </p:nvSpPr>
+        <p:spPr>
+          <a:xfrm>
+            <a:off x="486950" y="3094226"/>
+            <a:ext cx="8542751" cy="488515"/>
+          </a:xfrm>
+          <a:prstGeom prst="rect">
+            <a:avLst/>
+          </a:prstGeom>
+          <a:noFill/>
+          <a:ln>
+            <a:solidFill>
+              <a:schemeClr val="bg1"/>
+            </a:solidFill>
+          </a:ln>
+        </p:spPr>
+        <p:style>
+          <a:lnRef idx="2">
+            <a:schemeClr val="accent1">
+              <a:shade val="50000"/>
+            </a:schemeClr>
+          </a:lnRef>
+          <a:fillRef idx="1">
+            <a:schemeClr val="accent1"/>
+          </a:fillRef>
+          <a:effectRef idx="0">
+            <a:schemeClr val="accent1"/>
+          </a:effectRef>
+          <a:fontRef idx="minor">
+            <a:schemeClr val="lt1"/>
+          </a:fontRef>
+        </p:style>
+        <p:txBody>
+          <a:bodyPr rtlCol="0" anchor="ctr"/>
+          <a:lstStyle/>
+          <a:p>
+            <a:r>
+              <a:rPr lang="en-US" altLang="ko-KR" sz="2000" dirty="0" smtClean="0">
+                <a:solidFill>
+                  <a:schemeClr val="tx1"/>
+                </a:solidFill>
+              </a:rPr>
+              <a:t>3) </a:t>
+            </a:r>
+            <a:r>
+              <a:rPr lang="ko-KR" altLang="en-US" sz="2000" dirty="0" smtClean="0">
+                <a:solidFill>
+                  <a:schemeClr val="tx1"/>
+                </a:solidFill>
+              </a:rPr>
+              <a:t>생성한 </a:t>
+            </a:r>
+            <a:r>
+              <a:rPr lang="ko-KR" altLang="en-US" sz="2000" dirty="0" err="1" smtClean="0">
+                <a:solidFill>
+                  <a:schemeClr val="tx1"/>
+                </a:solidFill>
+              </a:rPr>
+              <a:t>가우시안</a:t>
+            </a:r>
+            <a:r>
+              <a:rPr lang="ko-KR" altLang="en-US" sz="2000" dirty="0" smtClean="0">
+                <a:solidFill>
+                  <a:schemeClr val="tx1"/>
+                </a:solidFill>
+              </a:rPr>
+              <a:t> 필터로 자기상관</a:t>
+            </a:r>
+            <a:r>
+              <a:rPr lang="en-US" altLang="ko-KR" sz="2000" dirty="0" smtClean="0">
+                <a:solidFill>
+                  <a:schemeClr val="tx1"/>
+                </a:solidFill>
+              </a:rPr>
+              <a:t>(CPP)</a:t>
+            </a:r>
+            <a:r>
+              <a:rPr lang="ko-KR" altLang="en-US" sz="2000" dirty="0" smtClean="0">
+                <a:solidFill>
+                  <a:schemeClr val="tx1"/>
+                </a:solidFill>
+              </a:rPr>
+              <a:t> 행렬 생성</a:t>
+            </a:r>
+            <a:endParaRPr lang="ko-KR" altLang="en-US" sz="2000" dirty="0">
+              <a:solidFill>
+                <a:schemeClr val="tx1"/>
+              </a:solidFill>
+            </a:endParaRPr>
+          </a:p>
+        </p:txBody>
+      </p:sp>
+      <p:sp>
+        <p:nvSpPr>
+          <p:cNvPr id="10" name="직사각형 9"/>
+          <p:cNvSpPr/>
+          <p:nvPr/>
+        </p:nvSpPr>
+        <p:spPr>
+          <a:xfrm>
+            <a:off x="503277" y="3804523"/>
+            <a:ext cx="8542751" cy="488515"/>
+          </a:xfrm>
+          <a:prstGeom prst="rect">
+            <a:avLst/>
+          </a:prstGeom>
+          <a:noFill/>
+          <a:ln>
+            <a:solidFill>
+              <a:schemeClr val="bg1"/>
+            </a:solidFill>
+          </a:ln>
+        </p:spPr>
+        <p:style>
+          <a:lnRef idx="2">
+            <a:schemeClr val="accent1">
+              <a:shade val="50000"/>
+            </a:schemeClr>
+          </a:lnRef>
+          <a:fillRef idx="1">
+            <a:schemeClr val="accent1"/>
+          </a:fillRef>
+          <a:effectRef idx="0">
+            <a:schemeClr val="accent1"/>
+          </a:effectRef>
+          <a:fontRef idx="minor">
+            <a:schemeClr val="lt1"/>
+          </a:fontRef>
+        </p:style>
+        <p:txBody>
+          <a:bodyPr rtlCol="0" anchor="ctr"/>
+          <a:lstStyle/>
+          <a:p>
+            <a:r>
+              <a:rPr lang="en-US" altLang="ko-KR" sz="2000" dirty="0" smtClean="0">
+                <a:solidFill>
+                  <a:schemeClr val="tx1"/>
+                </a:solidFill>
+              </a:rPr>
+              <a:t>4) </a:t>
+            </a:r>
+            <a:r>
+              <a:rPr lang="ko-KR" altLang="en-US" sz="2000" dirty="0" err="1" smtClean="0">
+                <a:solidFill>
+                  <a:schemeClr val="tx1"/>
+                </a:solidFill>
+              </a:rPr>
+              <a:t>하프톤</a:t>
+            </a:r>
+            <a:r>
+              <a:rPr lang="ko-KR" altLang="en-US" sz="2000" dirty="0" smtClean="0">
+                <a:solidFill>
+                  <a:schemeClr val="tx1"/>
+                </a:solidFill>
+              </a:rPr>
+              <a:t> 이미지와 </a:t>
+            </a:r>
+            <a:r>
+              <a:rPr lang="ko-KR" altLang="en-US" sz="2000" dirty="0" smtClean="0">
+                <a:solidFill>
+                  <a:schemeClr val="tx1"/>
+                </a:solidFill>
+              </a:rPr>
+              <a:t>원본 이미지의 각 픽셀에 대해 에러 값 계산</a:t>
+            </a:r>
+            <a:endParaRPr lang="ko-KR" altLang="en-US" sz="2000" dirty="0">
+              <a:solidFill>
+                <a:schemeClr val="tx1"/>
+              </a:solidFill>
+            </a:endParaRPr>
+          </a:p>
+        </p:txBody>
+      </p:sp>
+      <p:sp>
+        <p:nvSpPr>
+          <p:cNvPr id="11" name="직사각형 10"/>
+          <p:cNvSpPr/>
+          <p:nvPr/>
+        </p:nvSpPr>
+        <p:spPr>
+          <a:xfrm>
+            <a:off x="503278" y="4694426"/>
+            <a:ext cx="8542751" cy="488515"/>
+          </a:xfrm>
+          <a:prstGeom prst="rect">
+            <a:avLst/>
+          </a:prstGeom>
+          <a:noFill/>
+          <a:ln>
+            <a:solidFill>
+              <a:schemeClr val="bg1"/>
+            </a:solidFill>
+          </a:ln>
+        </p:spPr>
+        <p:style>
+          <a:lnRef idx="2">
+            <a:schemeClr val="accent1">
+              <a:shade val="50000"/>
+            </a:schemeClr>
+          </a:lnRef>
+          <a:fillRef idx="1">
+            <a:schemeClr val="accent1"/>
+          </a:fillRef>
+          <a:effectRef idx="0">
+            <a:schemeClr val="accent1"/>
+          </a:effectRef>
+          <a:fontRef idx="minor">
+            <a:schemeClr val="lt1"/>
+          </a:fontRef>
+        </p:style>
+        <p:txBody>
+          <a:bodyPr rtlCol="0" anchor="ctr"/>
+          <a:lstStyle/>
+          <a:p>
+            <a:r>
+              <a:rPr lang="en-US" altLang="ko-KR" sz="2000" dirty="0" smtClean="0">
+                <a:solidFill>
+                  <a:schemeClr val="tx1"/>
+                </a:solidFill>
+              </a:rPr>
+              <a:t>5) </a:t>
+            </a:r>
+            <a:r>
+              <a:rPr lang="ko-KR" altLang="en-US" sz="2000" dirty="0" smtClean="0">
+                <a:solidFill>
+                  <a:schemeClr val="tx1"/>
+                </a:solidFill>
+              </a:rPr>
+              <a:t>에러 값과 자기상관 행렬로 상호상관 행렬</a:t>
+            </a:r>
+            <a:r>
+              <a:rPr lang="en-US" altLang="ko-KR" sz="2000" dirty="0" smtClean="0">
+                <a:solidFill>
+                  <a:schemeClr val="tx1"/>
+                </a:solidFill>
+              </a:rPr>
+              <a:t>(</a:t>
+            </a:r>
+            <a:r>
+              <a:rPr lang="en-US" altLang="ko-KR" sz="2000" dirty="0" smtClean="0">
+                <a:solidFill>
+                  <a:schemeClr val="tx1"/>
+                </a:solidFill>
+              </a:rPr>
+              <a:t>CEP</a:t>
+            </a:r>
+            <a:r>
+              <a:rPr lang="en-US" altLang="ko-KR" sz="2000" dirty="0" smtClean="0">
+                <a:solidFill>
+                  <a:schemeClr val="tx1"/>
+                </a:solidFill>
+              </a:rPr>
+              <a:t>)</a:t>
+            </a:r>
+            <a:r>
+              <a:rPr lang="ko-KR" altLang="en-US" sz="2000" dirty="0" smtClean="0">
+                <a:solidFill>
+                  <a:schemeClr val="tx1"/>
+                </a:solidFill>
+              </a:rPr>
+              <a:t> 생성 </a:t>
+            </a:r>
+            <a:endParaRPr lang="ko-KR" altLang="en-US" sz="2000" dirty="0">
+              <a:solidFill>
+                <a:schemeClr val="tx1"/>
+              </a:solidFill>
+            </a:endParaRPr>
+          </a:p>
+        </p:txBody>
+      </p:sp>
+      <p:sp>
+        <p:nvSpPr>
+          <p:cNvPr id="12" name="직사각형 11"/>
+          <p:cNvSpPr/>
+          <p:nvPr/>
+        </p:nvSpPr>
+        <p:spPr>
+          <a:xfrm>
+            <a:off x="495113" y="5385669"/>
+            <a:ext cx="8542751" cy="488515"/>
+          </a:xfrm>
+          <a:prstGeom prst="rect">
+            <a:avLst/>
+          </a:prstGeom>
+          <a:noFill/>
+          <a:ln>
+            <a:solidFill>
+              <a:schemeClr val="bg1"/>
+            </a:solidFill>
+          </a:ln>
+        </p:spPr>
+        <p:style>
+          <a:lnRef idx="2">
+            <a:schemeClr val="accent1">
+              <a:shade val="50000"/>
+            </a:schemeClr>
+          </a:lnRef>
+          <a:fillRef idx="1">
+            <a:schemeClr val="accent1"/>
+          </a:fillRef>
+          <a:effectRef idx="0">
+            <a:schemeClr val="accent1"/>
+          </a:effectRef>
+          <a:fontRef idx="minor">
+            <a:schemeClr val="lt1"/>
+          </a:fontRef>
+        </p:style>
+        <p:txBody>
+          <a:bodyPr rtlCol="0" anchor="ctr"/>
+          <a:lstStyle/>
+          <a:p>
+            <a:r>
+              <a:rPr lang="en-US" altLang="ko-KR" sz="2000" dirty="0" smtClean="0">
+                <a:solidFill>
+                  <a:schemeClr val="tx1"/>
+                </a:solidFill>
+              </a:rPr>
+              <a:t>6) DBS </a:t>
+            </a:r>
+            <a:r>
+              <a:rPr lang="ko-KR" altLang="en-US" sz="2000" dirty="0" smtClean="0">
+                <a:solidFill>
+                  <a:schemeClr val="tx1"/>
+                </a:solidFill>
+              </a:rPr>
+              <a:t>알고리즘 수행 시작</a:t>
+            </a:r>
+            <a:endParaRPr lang="ko-KR" altLang="en-US" sz="2000" dirty="0">
+              <a:solidFill>
+                <a:schemeClr val="tx1"/>
+              </a:solidFill>
+            </a:endParaRPr>
+          </a:p>
+        </p:txBody>
+      </p:sp>
+      <p:sp>
+        <p:nvSpPr>
+          <p:cNvPr id="13" name="TextBox 12"/>
           <p:cNvSpPr txBox="1"/>
           <p:nvPr/>
         </p:nvSpPr>
         <p:spPr>
           <a:xfrm>
-            <a:off x="1836108" y="727812"/>
-            <a:ext cx="1144865" cy="400110"/>
+            <a:off x="381001" y="249734"/>
+            <a:ext cx="6954148" cy="584775"/>
           </a:xfrm>
           <a:prstGeom prst="rect">
             <a:avLst/>
@@ -3956,22 +4426,22 @@
           <a:lstStyle/>
           <a:p>
             <a:r>
-              <a:rPr lang="en-US" altLang="ko-KR" sz="2000" spc="-150" dirty="0" smtClean="0">
+              <a:rPr lang="en-US" altLang="ko-KR" sz="3200" spc="-150" dirty="0" smtClean="0">
                 <a:solidFill>
                   <a:srgbClr val="525252"/>
                 </a:solidFill>
               </a:rPr>
-              <a:t>DBS</a:t>
-            </a:r>
-            <a:r>
-              <a:rPr lang="ko-KR" altLang="en-US" sz="2000" spc="-150" dirty="0" smtClean="0">
+              <a:t>3. </a:t>
+            </a:r>
+            <a:r>
+              <a:rPr lang="ko-KR" altLang="en-US" sz="3200" spc="-150" dirty="0" smtClean="0">
                 <a:solidFill>
                   <a:srgbClr val="525252"/>
                 </a:solidFill>
               </a:rPr>
-              <a:t> 결과</a:t>
-            </a:r>
-            <a:endParaRPr lang="ko-KR" altLang="en-US" sz="2000" spc="-150" dirty="0">
+              <a:t>한계점을 극복하기 위해 시도한 것들</a:t>
+            </a:r>
+            <a:endParaRPr lang="ko-KR" altLang="en-US" sz="3200" spc="-150" dirty="0">
               <a:solidFill>
                 <a:srgbClr val="525252"/>
               </a:solidFill>
@@ -3979,76 +4449,140 @@
           </a:p>
         </p:txBody>
       </p:sp>
-      <p:pic>
-        <p:nvPicPr>
-          <p:cNvPr id="6147" name="Picture 3"/>
-          <p:cNvPicPr>
-            <a:picLocks noChangeAspect="1" noChangeArrowheads="1"/>
-          </p:cNvPicPr>
-          <p:nvPr/>
-        </p:nvPicPr>
-        <p:blipFill>
-          <a:blip r:embed="rId2"/>
-          <a:srcRect/>
-          <a:stretch>
-            <a:fillRect/>
-          </a:stretch>
-        </p:blipFill>
-        <p:spPr bwMode="auto">
-          <a:xfrm>
-            <a:off x="4672208" y="1152395"/>
-            <a:ext cx="4321480" cy="4345792"/>
+      <p:sp>
+        <p:nvSpPr>
+          <p:cNvPr id="14" name="직사각형 13"/>
+          <p:cNvSpPr/>
+          <p:nvPr/>
+        </p:nvSpPr>
+        <p:spPr>
+          <a:xfrm>
+            <a:off x="219076" y="248692"/>
+            <a:ext cx="85724" cy="769441"/>
           </a:xfrm>
           <a:prstGeom prst="rect">
             <a:avLst/>
           </a:prstGeom>
+          <a:solidFill>
+            <a:schemeClr val="tx2">
+              <a:lumMod val="40000"/>
+              <a:lumOff val="60000"/>
+            </a:schemeClr>
+          </a:solidFill>
+          <a:ln>
+            <a:noFill/>
+          </a:ln>
+        </p:spPr>
+        <p:style>
+          <a:lnRef idx="2">
+            <a:schemeClr val="accent1">
+              <a:shade val="50000"/>
+            </a:schemeClr>
+          </a:lnRef>
+          <a:fillRef idx="1">
+            <a:schemeClr val="accent1"/>
+          </a:fillRef>
+          <a:effectRef idx="0">
+            <a:schemeClr val="accent1"/>
+          </a:effectRef>
+          <a:fontRef idx="minor">
+            <a:schemeClr val="lt1"/>
+          </a:fontRef>
+        </p:style>
+        <p:txBody>
+          <a:bodyPr rtlCol="0" anchor="ctr"/>
+          <a:lstStyle/>
+          <a:p>
+            <a:pPr algn="ctr"/>
+            <a:endParaRPr lang="ko-KR" altLang="en-US"/>
+          </a:p>
+        </p:txBody>
+      </p:sp>
+      <p:sp>
+        <p:nvSpPr>
+          <p:cNvPr id="16" name="직사각형 15"/>
+          <p:cNvSpPr/>
+          <p:nvPr/>
+        </p:nvSpPr>
+        <p:spPr>
+          <a:xfrm>
+            <a:off x="425883" y="851770"/>
+            <a:ext cx="8542751" cy="488515"/>
+          </a:xfrm>
+          <a:prstGeom prst="rect">
+            <a:avLst/>
+          </a:prstGeom>
           <a:noFill/>
-          <a:ln w="9525">
-            <a:noFill/>
-            <a:miter lim="800000"/>
-            <a:headEnd/>
-            <a:tailEnd/>
+          <a:ln>
+            <a:solidFill>
+              <a:schemeClr val="bg1"/>
+            </a:solidFill>
           </a:ln>
-          <a:effectLst/>
-        </p:spPr>
-      </p:pic>
-      <p:pic>
-        <p:nvPicPr>
-          <p:cNvPr id="6148" name="Picture 4"/>
-          <p:cNvPicPr>
-            <a:picLocks noChangeAspect="1" noChangeArrowheads="1"/>
-          </p:cNvPicPr>
-          <p:nvPr/>
-        </p:nvPicPr>
-        <p:blipFill>
-          <a:blip r:embed="rId3"/>
-          <a:srcRect/>
-          <a:stretch>
-            <a:fillRect/>
-          </a:stretch>
-        </p:blipFill>
-        <p:spPr bwMode="auto">
-          <a:xfrm>
-            <a:off x="312673" y="1127342"/>
-            <a:ext cx="4321957" cy="4471792"/>
-          </a:xfrm>
-          <a:prstGeom prst="rect">
-            <a:avLst/>
-          </a:prstGeom>
-          <a:noFill/>
-          <a:ln w="9525">
-            <a:noFill/>
-            <a:miter lim="800000"/>
-            <a:headEnd/>
-            <a:tailEnd/>
-          </a:ln>
-          <a:effectLst/>
-        </p:spPr>
-      </p:pic>
+        </p:spPr>
+        <p:style>
+          <a:lnRef idx="2">
+            <a:schemeClr val="accent1">
+              <a:shade val="50000"/>
+            </a:schemeClr>
+          </a:lnRef>
+          <a:fillRef idx="1">
+            <a:schemeClr val="accent1"/>
+          </a:fillRef>
+          <a:effectRef idx="0">
+            <a:schemeClr val="accent1"/>
+          </a:effectRef>
+          <a:fontRef idx="minor">
+            <a:schemeClr val="lt1"/>
+          </a:fontRef>
+        </p:style>
+        <p:txBody>
+          <a:bodyPr rtlCol="0" anchor="ctr"/>
+          <a:lstStyle/>
+          <a:p>
+            <a:r>
+              <a:rPr lang="en-US" altLang="ko-KR" sz="2000" dirty="0" smtClean="0">
+                <a:solidFill>
+                  <a:schemeClr val="tx1"/>
+                </a:solidFill>
+              </a:rPr>
+              <a:t>3-1) </a:t>
+            </a:r>
+            <a:r>
+              <a:rPr lang="en-US" altLang="ko-KR" sz="2000" dirty="0" smtClean="0">
+                <a:solidFill>
+                  <a:schemeClr val="tx1"/>
+                </a:solidFill>
+              </a:rPr>
+              <a:t>DBS (Direct Binary Search</a:t>
+            </a:r>
+            <a:r>
+              <a:rPr lang="en-US" altLang="ko-KR" sz="2000" dirty="0" smtClean="0">
+                <a:solidFill>
+                  <a:schemeClr val="tx1"/>
+                </a:solidFill>
+              </a:rPr>
+              <a:t>) </a:t>
+            </a:r>
+            <a:r>
+              <a:rPr lang="ko-KR" altLang="en-US" sz="2000" dirty="0" smtClean="0">
+                <a:solidFill>
+                  <a:schemeClr val="tx1"/>
+                </a:solidFill>
+              </a:rPr>
+              <a:t>과정</a:t>
+            </a:r>
+            <a:endParaRPr lang="ko-KR" altLang="en-US" sz="2000" dirty="0">
+              <a:solidFill>
+                <a:schemeClr val="tx1"/>
+              </a:solidFill>
+            </a:endParaRPr>
+          </a:p>
+        </p:txBody>
+      </p:sp>
     </p:spTree>
     <p:extLst>
       <p:ext uri="{BB962C8B-B14F-4D97-AF65-F5344CB8AC3E}">
-        <p14:creationId xmlns:p14="http://schemas.microsoft.com/office/powerpoint/2010/main" xmlns="" val="3515428851"/>
+        <p14:creationId xmlns="" xmlns:p14="http://schemas.microsoft.com/office/powerpoint/2010/main" val="3515428851"/>
       </p:ext>
     </p:extLst>
   </p:cSld>
@@ -4084,52 +4618,6 @@
       </p:grpSpPr>
       <p:sp>
         <p:nvSpPr>
-          <p:cNvPr id="15" name="TextBox 14"/>
-          <p:cNvSpPr txBox="1"/>
-          <p:nvPr/>
-        </p:nvSpPr>
-        <p:spPr>
-          <a:xfrm>
-            <a:off x="381001" y="249734"/>
-            <a:ext cx="5963492" cy="584775"/>
-          </a:xfrm>
-          <a:prstGeom prst="rect">
-            <a:avLst/>
-          </a:prstGeom>
-          <a:noFill/>
-        </p:spPr>
-        <p:txBody>
-          <a:bodyPr wrap="none" rtlCol="0">
-            <a:spAutoFit/>
-          </a:bodyPr>
-          <a:lstStyle/>
-          <a:p>
-            <a:r>
-              <a:rPr lang="en-US" altLang="ko-KR" sz="3200" spc="-150" dirty="0" smtClean="0">
-                <a:solidFill>
-                  <a:srgbClr val="525252"/>
-                </a:solidFill>
-              </a:rPr>
-              <a:t>4. DBS</a:t>
-            </a:r>
-            <a:r>
-              <a:rPr lang="ko-KR" altLang="en-US" sz="3200" spc="-150" dirty="0" smtClean="0">
-                <a:solidFill>
-                  <a:srgbClr val="525252"/>
-                </a:solidFill>
-              </a:rPr>
-              <a:t>의 한계점을 극복하는 방안</a:t>
-            </a:r>
-            <a:endParaRPr lang="ko-KR" altLang="en-US" sz="3200" spc="-150" dirty="0">
-              <a:solidFill>
-                <a:srgbClr val="525252"/>
-              </a:solidFill>
-            </a:endParaRPr>
-          </a:p>
-        </p:txBody>
-      </p:sp>
-      <p:sp>
-        <p:nvSpPr>
           <p:cNvPr id="9" name="직사각형 8"/>
           <p:cNvSpPr/>
           <p:nvPr/>
@@ -4177,21 +4665,96 @@
           </a:p>
         </p:txBody>
       </p:sp>
-      <p:sp>
-        <p:nvSpPr>
-          <p:cNvPr id="39" name="직사각형 38"/>
+      <p:pic>
+        <p:nvPicPr>
+          <p:cNvPr id="5" name="그림 4" descr="conv_kernel.png"/>
+          <p:cNvPicPr>
+            <a:picLocks noChangeAspect="1"/>
+          </p:cNvPicPr>
+          <p:nvPr/>
+        </p:nvPicPr>
+        <p:blipFill>
+          <a:blip r:embed="rId2" cstate="print"/>
+          <a:stretch>
+            <a:fillRect/>
+          </a:stretch>
+        </p:blipFill>
+        <p:spPr>
+          <a:xfrm>
+            <a:off x="910318" y="1484582"/>
+            <a:ext cx="7082517" cy="5037999"/>
+          </a:xfrm>
+          <a:prstGeom prst="rect">
+            <a:avLst/>
+          </a:prstGeom>
+        </p:spPr>
+      </p:pic>
+      <p:sp>
+        <p:nvSpPr>
+          <p:cNvPr id="6" name="TextBox 5"/>
+          <p:cNvSpPr txBox="1"/>
+          <p:nvPr/>
+        </p:nvSpPr>
+        <p:spPr>
+          <a:xfrm>
+            <a:off x="381001" y="249734"/>
+            <a:ext cx="6954148" cy="584775"/>
+          </a:xfrm>
+          <a:prstGeom prst="rect">
+            <a:avLst/>
+          </a:prstGeom>
+          <a:noFill/>
+        </p:spPr>
+        <p:txBody>
+          <a:bodyPr wrap="none" rtlCol="0">
+            <a:spAutoFit/>
+          </a:bodyPr>
+          <a:lstStyle/>
+          <a:p>
+            <a:r>
+              <a:rPr lang="en-US" altLang="ko-KR" sz="3200" spc="-150" dirty="0" smtClean="0">
+                <a:solidFill>
+                  <a:srgbClr val="525252"/>
+                </a:solidFill>
+              </a:rPr>
+              <a:t>3. </a:t>
+            </a:r>
+            <a:r>
+              <a:rPr lang="ko-KR" altLang="en-US" sz="3200" spc="-150" dirty="0" smtClean="0">
+                <a:solidFill>
+                  <a:srgbClr val="525252"/>
+                </a:solidFill>
+              </a:rPr>
+              <a:t>한계점을 극복하기 위해 시도한 것들</a:t>
+            </a:r>
+            <a:endParaRPr lang="ko-KR" altLang="en-US" sz="3200" spc="-150" dirty="0">
+              <a:solidFill>
+                <a:srgbClr val="525252"/>
+              </a:solidFill>
+            </a:endParaRPr>
+          </a:p>
+        </p:txBody>
+      </p:sp>
+      <p:sp>
+        <p:nvSpPr>
+          <p:cNvPr id="7" name="직사각형 6"/>
           <p:cNvSpPr/>
           <p:nvPr/>
         </p:nvSpPr>
         <p:spPr>
           <a:xfrm>
-            <a:off x="463464" y="1014607"/>
-            <a:ext cx="7903922" cy="4058434"/>
+            <a:off x="219076" y="248692"/>
+            <a:ext cx="85724" cy="769441"/>
           </a:xfrm>
           <a:prstGeom prst="rect">
             <a:avLst/>
           </a:prstGeom>
-          <a:noFill/>
+          <a:solidFill>
+            <a:schemeClr val="tx2">
+              <a:lumMod val="40000"/>
+              <a:lumOff val="60000"/>
+            </a:schemeClr>
+          </a:solidFill>
           <a:ln>
             <a:noFill/>
           </a:ln>
@@ -4216,6 +4779,2167 @@
           <a:bodyPr rtlCol="0" anchor="ctr"/>
           <a:lstStyle/>
           <a:p>
+            <a:pPr algn="ctr"/>
+            <a:endParaRPr lang="ko-KR" altLang="en-US"/>
+          </a:p>
+        </p:txBody>
+      </p:sp>
+      <p:sp>
+        <p:nvSpPr>
+          <p:cNvPr id="8" name="직사각형 7"/>
+          <p:cNvSpPr/>
+          <p:nvPr/>
+        </p:nvSpPr>
+        <p:spPr>
+          <a:xfrm>
+            <a:off x="425883" y="851770"/>
+            <a:ext cx="8542751" cy="488515"/>
+          </a:xfrm>
+          <a:prstGeom prst="rect">
+            <a:avLst/>
+          </a:prstGeom>
+          <a:noFill/>
+          <a:ln>
+            <a:solidFill>
+              <a:schemeClr val="bg1"/>
+            </a:solidFill>
+          </a:ln>
+        </p:spPr>
+        <p:style>
+          <a:lnRef idx="2">
+            <a:schemeClr val="accent1">
+              <a:shade val="50000"/>
+            </a:schemeClr>
+          </a:lnRef>
+          <a:fillRef idx="1">
+            <a:schemeClr val="accent1"/>
+          </a:fillRef>
+          <a:effectRef idx="0">
+            <a:schemeClr val="accent1"/>
+          </a:effectRef>
+          <a:fontRef idx="minor">
+            <a:schemeClr val="lt1"/>
+          </a:fontRef>
+        </p:style>
+        <p:txBody>
+          <a:bodyPr rtlCol="0" anchor="ctr"/>
+          <a:lstStyle/>
+          <a:p>
+            <a:r>
+              <a:rPr lang="en-US" altLang="ko-KR" sz="2000" dirty="0" smtClean="0">
+                <a:solidFill>
+                  <a:schemeClr val="tx1"/>
+                </a:solidFill>
+              </a:rPr>
+              <a:t>3-2) </a:t>
+            </a:r>
+            <a:r>
+              <a:rPr lang="ko-KR" altLang="en-US" sz="2000" dirty="0" smtClean="0">
+                <a:solidFill>
+                  <a:schemeClr val="tx1"/>
+                </a:solidFill>
+              </a:rPr>
+              <a:t>자기상관 행렬과 상호상관 행렬 연산</a:t>
+            </a:r>
+            <a:endParaRPr lang="ko-KR" altLang="en-US" sz="2000" dirty="0">
+              <a:solidFill>
+                <a:schemeClr val="tx1"/>
+              </a:solidFill>
+            </a:endParaRPr>
+          </a:p>
+        </p:txBody>
+      </p:sp>
+    </p:spTree>
+    <p:extLst>
+      <p:ext uri="{BB962C8B-B14F-4D97-AF65-F5344CB8AC3E}">
+        <p14:creationId xmlns="" xmlns:p14="http://schemas.microsoft.com/office/powerpoint/2010/main" val="3515428851"/>
+      </p:ext>
+    </p:extLst>
+  </p:cSld>
+  <p:clrMapOvr>
+    <a:masterClrMapping/>
+  </p:clrMapOvr>
+  <p:timing>
+    <p:tnLst>
+      <p:par>
+        <p:cTn id="1" dur="indefinite" restart="never" nodeType="tmRoot"/>
+      </p:par>
+    </p:tnLst>
+  </p:timing>
+</p:sld>
+</file>
+
+<file path=ppt/slides/slide12.xml><?xml version="1.0" encoding="utf-8"?>
+<p:sld xmlns:a="http://schemas.openxmlformats.org/drawingml/2006/main" xmlns:r="http://schemas.openxmlformats.org/officeDocument/2006/relationships" xmlns:p="http://schemas.openxmlformats.org/presentationml/2006/main">
+  <p:cSld>
+    <p:spTree>
+      <p:nvGrpSpPr>
+        <p:cNvPr id="1" name=""/>
+        <p:cNvGrpSpPr/>
+        <p:nvPr/>
+      </p:nvGrpSpPr>
+      <p:grpSpPr>
+        <a:xfrm>
+          <a:off x="0" y="0"/>
+          <a:ext cx="0" cy="0"/>
+          <a:chOff x="0" y="0"/>
+          <a:chExt cx="0" cy="0"/>
+        </a:xfrm>
+      </p:grpSpPr>
+      <p:sp>
+        <p:nvSpPr>
+          <p:cNvPr id="9" name="직사각형 8"/>
+          <p:cNvSpPr/>
+          <p:nvPr/>
+        </p:nvSpPr>
+        <p:spPr>
+          <a:xfrm>
+            <a:off x="219076" y="248692"/>
+            <a:ext cx="85724" cy="769441"/>
+          </a:xfrm>
+          <a:prstGeom prst="rect">
+            <a:avLst/>
+          </a:prstGeom>
+          <a:solidFill>
+            <a:schemeClr val="tx2">
+              <a:lumMod val="40000"/>
+              <a:lumOff val="60000"/>
+            </a:schemeClr>
+          </a:solidFill>
+          <a:ln>
+            <a:noFill/>
+          </a:ln>
+        </p:spPr>
+        <p:style>
+          <a:lnRef idx="2">
+            <a:schemeClr val="accent1">
+              <a:shade val="50000"/>
+            </a:schemeClr>
+          </a:lnRef>
+          <a:fillRef idx="1">
+            <a:schemeClr val="accent1"/>
+          </a:fillRef>
+          <a:effectRef idx="0">
+            <a:schemeClr val="accent1"/>
+          </a:effectRef>
+          <a:fontRef idx="minor">
+            <a:schemeClr val="lt1"/>
+          </a:fontRef>
+        </p:style>
+        <p:txBody>
+          <a:bodyPr rtlCol="0" anchor="ctr"/>
+          <a:lstStyle/>
+          <a:p>
+            <a:pPr algn="ctr"/>
+            <a:endParaRPr lang="ko-KR" altLang="en-US"/>
+          </a:p>
+        </p:txBody>
+      </p:sp>
+      <p:sp>
+        <p:nvSpPr>
+          <p:cNvPr id="6" name="TextBox 5"/>
+          <p:cNvSpPr txBox="1"/>
+          <p:nvPr/>
+        </p:nvSpPr>
+        <p:spPr>
+          <a:xfrm>
+            <a:off x="381001" y="249734"/>
+            <a:ext cx="6954148" cy="584775"/>
+          </a:xfrm>
+          <a:prstGeom prst="rect">
+            <a:avLst/>
+          </a:prstGeom>
+          <a:noFill/>
+        </p:spPr>
+        <p:txBody>
+          <a:bodyPr wrap="none" rtlCol="0">
+            <a:spAutoFit/>
+          </a:bodyPr>
+          <a:lstStyle/>
+          <a:p>
+            <a:r>
+              <a:rPr lang="en-US" altLang="ko-KR" sz="3200" spc="-150" dirty="0" smtClean="0">
+                <a:solidFill>
+                  <a:srgbClr val="525252"/>
+                </a:solidFill>
+              </a:rPr>
+              <a:t>3. </a:t>
+            </a:r>
+            <a:r>
+              <a:rPr lang="ko-KR" altLang="en-US" sz="3200" spc="-150" dirty="0" smtClean="0">
+                <a:solidFill>
+                  <a:srgbClr val="525252"/>
+                </a:solidFill>
+              </a:rPr>
+              <a:t>한계점을 극복하기 위해 시도한 것들</a:t>
+            </a:r>
+            <a:endParaRPr lang="ko-KR" altLang="en-US" sz="3200" spc="-150" dirty="0">
+              <a:solidFill>
+                <a:srgbClr val="525252"/>
+              </a:solidFill>
+            </a:endParaRPr>
+          </a:p>
+        </p:txBody>
+      </p:sp>
+      <p:sp>
+        <p:nvSpPr>
+          <p:cNvPr id="7" name="직사각형 6"/>
+          <p:cNvSpPr/>
+          <p:nvPr/>
+        </p:nvSpPr>
+        <p:spPr>
+          <a:xfrm>
+            <a:off x="219076" y="248692"/>
+            <a:ext cx="85724" cy="769441"/>
+          </a:xfrm>
+          <a:prstGeom prst="rect">
+            <a:avLst/>
+          </a:prstGeom>
+          <a:solidFill>
+            <a:schemeClr val="tx2">
+              <a:lumMod val="40000"/>
+              <a:lumOff val="60000"/>
+            </a:schemeClr>
+          </a:solidFill>
+          <a:ln>
+            <a:noFill/>
+          </a:ln>
+        </p:spPr>
+        <p:style>
+          <a:lnRef idx="2">
+            <a:schemeClr val="accent1">
+              <a:shade val="50000"/>
+            </a:schemeClr>
+          </a:lnRef>
+          <a:fillRef idx="1">
+            <a:schemeClr val="accent1"/>
+          </a:fillRef>
+          <a:effectRef idx="0">
+            <a:schemeClr val="accent1"/>
+          </a:effectRef>
+          <a:fontRef idx="minor">
+            <a:schemeClr val="lt1"/>
+          </a:fontRef>
+        </p:style>
+        <p:txBody>
+          <a:bodyPr rtlCol="0" anchor="ctr"/>
+          <a:lstStyle/>
+          <a:p>
+            <a:pPr algn="ctr"/>
+            <a:endParaRPr lang="ko-KR" altLang="en-US"/>
+          </a:p>
+        </p:txBody>
+      </p:sp>
+      <p:sp>
+        <p:nvSpPr>
+          <p:cNvPr id="8" name="직사각형 7"/>
+          <p:cNvSpPr/>
+          <p:nvPr/>
+        </p:nvSpPr>
+        <p:spPr>
+          <a:xfrm>
+            <a:off x="425883" y="851770"/>
+            <a:ext cx="8542751" cy="488515"/>
+          </a:xfrm>
+          <a:prstGeom prst="rect">
+            <a:avLst/>
+          </a:prstGeom>
+          <a:noFill/>
+          <a:ln>
+            <a:solidFill>
+              <a:schemeClr val="bg1"/>
+            </a:solidFill>
+          </a:ln>
+        </p:spPr>
+        <p:style>
+          <a:lnRef idx="2">
+            <a:schemeClr val="accent1">
+              <a:shade val="50000"/>
+            </a:schemeClr>
+          </a:lnRef>
+          <a:fillRef idx="1">
+            <a:schemeClr val="accent1"/>
+          </a:fillRef>
+          <a:effectRef idx="0">
+            <a:schemeClr val="accent1"/>
+          </a:effectRef>
+          <a:fontRef idx="minor">
+            <a:schemeClr val="lt1"/>
+          </a:fontRef>
+        </p:style>
+        <p:txBody>
+          <a:bodyPr rtlCol="0" anchor="ctr"/>
+          <a:lstStyle/>
+          <a:p>
+            <a:r>
+              <a:rPr lang="en-US" altLang="ko-KR" sz="2000" dirty="0" smtClean="0">
+                <a:solidFill>
+                  <a:schemeClr val="tx1"/>
+                </a:solidFill>
+              </a:rPr>
+              <a:t>3-2) </a:t>
+            </a:r>
+            <a:r>
+              <a:rPr lang="ko-KR" altLang="en-US" sz="2000" dirty="0" smtClean="0">
+                <a:solidFill>
+                  <a:schemeClr val="tx1"/>
+                </a:solidFill>
+              </a:rPr>
+              <a:t>자기상관 행렬과 상호상관 행렬 연산</a:t>
+            </a:r>
+            <a:endParaRPr lang="ko-KR" altLang="en-US" sz="2000" dirty="0">
+              <a:solidFill>
+                <a:schemeClr val="tx1"/>
+              </a:solidFill>
+            </a:endParaRPr>
+          </a:p>
+        </p:txBody>
+      </p:sp>
+      <p:pic>
+        <p:nvPicPr>
+          <p:cNvPr id="10" name="그림 9" descr="conv_transpose_48qotaov1.jpeg"/>
+          <p:cNvPicPr>
+            <a:picLocks noChangeAspect="1"/>
+          </p:cNvPicPr>
+          <p:nvPr/>
+        </p:nvPicPr>
+        <p:blipFill>
+          <a:blip r:embed="rId2" cstate="print"/>
+          <a:stretch>
+            <a:fillRect/>
+          </a:stretch>
+        </p:blipFill>
+        <p:spPr>
+          <a:xfrm>
+            <a:off x="831850" y="1454150"/>
+            <a:ext cx="7366000" cy="4978400"/>
+          </a:xfrm>
+          <a:prstGeom prst="rect">
+            <a:avLst/>
+          </a:prstGeom>
+        </p:spPr>
+      </p:pic>
+    </p:spTree>
+    <p:extLst>
+      <p:ext uri="{BB962C8B-B14F-4D97-AF65-F5344CB8AC3E}">
+        <p14:creationId xmlns="" xmlns:p14="http://schemas.microsoft.com/office/powerpoint/2010/main" val="3515428851"/>
+      </p:ext>
+    </p:extLst>
+  </p:cSld>
+  <p:clrMapOvr>
+    <a:masterClrMapping/>
+  </p:clrMapOvr>
+  <p:timing>
+    <p:tnLst>
+      <p:par>
+        <p:cTn id="1" dur="indefinite" restart="never" nodeType="tmRoot"/>
+      </p:par>
+    </p:tnLst>
+  </p:timing>
+</p:sld>
+</file>
+
+<file path=ppt/slides/slide13.xml><?xml version="1.0" encoding="utf-8"?>
+<p:sld xmlns:a="http://schemas.openxmlformats.org/drawingml/2006/main" xmlns:r="http://schemas.openxmlformats.org/officeDocument/2006/relationships" xmlns:p="http://schemas.openxmlformats.org/presentationml/2006/main">
+  <p:cSld>
+    <p:spTree>
+      <p:nvGrpSpPr>
+        <p:cNvPr id="1" name=""/>
+        <p:cNvGrpSpPr/>
+        <p:nvPr/>
+      </p:nvGrpSpPr>
+      <p:grpSpPr>
+        <a:xfrm>
+          <a:off x="0" y="0"/>
+          <a:ext cx="0" cy="0"/>
+          <a:chOff x="0" y="0"/>
+          <a:chExt cx="0" cy="0"/>
+        </a:xfrm>
+      </p:grpSpPr>
+      <p:sp>
+        <p:nvSpPr>
+          <p:cNvPr id="9" name="직사각형 8"/>
+          <p:cNvSpPr/>
+          <p:nvPr/>
+        </p:nvSpPr>
+        <p:spPr>
+          <a:xfrm>
+            <a:off x="219076" y="248692"/>
+            <a:ext cx="85724" cy="769441"/>
+          </a:xfrm>
+          <a:prstGeom prst="rect">
+            <a:avLst/>
+          </a:prstGeom>
+          <a:solidFill>
+            <a:schemeClr val="tx2">
+              <a:lumMod val="40000"/>
+              <a:lumOff val="60000"/>
+            </a:schemeClr>
+          </a:solidFill>
+          <a:ln>
+            <a:noFill/>
+          </a:ln>
+        </p:spPr>
+        <p:style>
+          <a:lnRef idx="2">
+            <a:schemeClr val="accent1">
+              <a:shade val="50000"/>
+            </a:schemeClr>
+          </a:lnRef>
+          <a:fillRef idx="1">
+            <a:schemeClr val="accent1"/>
+          </a:fillRef>
+          <a:effectRef idx="0">
+            <a:schemeClr val="accent1"/>
+          </a:effectRef>
+          <a:fontRef idx="minor">
+            <a:schemeClr val="lt1"/>
+          </a:fontRef>
+        </p:style>
+        <p:txBody>
+          <a:bodyPr rtlCol="0" anchor="ctr"/>
+          <a:lstStyle/>
+          <a:p>
+            <a:pPr algn="ctr"/>
+            <a:endParaRPr lang="ko-KR" altLang="en-US"/>
+          </a:p>
+        </p:txBody>
+      </p:sp>
+      <p:sp>
+        <p:nvSpPr>
+          <p:cNvPr id="4" name="직사각형 3"/>
+          <p:cNvSpPr/>
+          <p:nvPr/>
+        </p:nvSpPr>
+        <p:spPr>
+          <a:xfrm>
+            <a:off x="429799" y="1700857"/>
+            <a:ext cx="8542751" cy="488515"/>
+          </a:xfrm>
+          <a:prstGeom prst="rect">
+            <a:avLst/>
+          </a:prstGeom>
+          <a:noFill/>
+          <a:ln>
+            <a:solidFill>
+              <a:schemeClr val="bg1"/>
+            </a:solidFill>
+          </a:ln>
+        </p:spPr>
+        <p:style>
+          <a:lnRef idx="2">
+            <a:schemeClr val="accent1">
+              <a:shade val="50000"/>
+            </a:schemeClr>
+          </a:lnRef>
+          <a:fillRef idx="1">
+            <a:schemeClr val="accent1"/>
+          </a:fillRef>
+          <a:effectRef idx="0">
+            <a:schemeClr val="accent1"/>
+          </a:effectRef>
+          <a:fontRef idx="minor">
+            <a:schemeClr val="lt1"/>
+          </a:fontRef>
+        </p:style>
+        <p:txBody>
+          <a:bodyPr rtlCol="0" anchor="ctr"/>
+          <a:lstStyle/>
+          <a:p>
+            <a:r>
+              <a:rPr lang="ko-KR" altLang="en-US" sz="2000" dirty="0" smtClean="0">
+                <a:solidFill>
+                  <a:schemeClr val="tx1"/>
+                </a:solidFill>
+              </a:rPr>
+              <a:t>각 픽셀에 대해 하프 톤 이미지 픽셀 값 </a:t>
+            </a:r>
+            <a:r>
+              <a:rPr lang="en-US" altLang="ko-KR" sz="2000" dirty="0" smtClean="0">
+                <a:solidFill>
+                  <a:schemeClr val="tx1"/>
+                </a:solidFill>
+              </a:rPr>
+              <a:t>– </a:t>
+            </a:r>
+            <a:r>
+              <a:rPr lang="ko-KR" altLang="en-US" sz="2000" dirty="0" smtClean="0">
+                <a:solidFill>
+                  <a:schemeClr val="tx1"/>
+                </a:solidFill>
+              </a:rPr>
+              <a:t>원본이미지 픽셀 값 </a:t>
+            </a:r>
+            <a:r>
+              <a:rPr lang="en-US" altLang="ko-KR" sz="2000" dirty="0" smtClean="0">
+                <a:solidFill>
+                  <a:schemeClr val="tx1"/>
+                </a:solidFill>
+              </a:rPr>
+              <a:t>/ 255</a:t>
+            </a:r>
+            <a:endParaRPr lang="ko-KR" altLang="en-US" sz="2000" dirty="0">
+              <a:solidFill>
+                <a:schemeClr val="tx1"/>
+              </a:solidFill>
+            </a:endParaRPr>
+          </a:p>
+        </p:txBody>
+      </p:sp>
+      <p:pic>
+        <p:nvPicPr>
+          <p:cNvPr id="1026" name="Picture 2"/>
+          <p:cNvPicPr>
+            <a:picLocks noChangeAspect="1" noChangeArrowheads="1"/>
+          </p:cNvPicPr>
+          <p:nvPr/>
+        </p:nvPicPr>
+        <p:blipFill>
+          <a:blip r:embed="rId2" cstate="print"/>
+          <a:srcRect/>
+          <a:stretch>
+            <a:fillRect/>
+          </a:stretch>
+        </p:blipFill>
+        <p:spPr bwMode="auto">
+          <a:xfrm>
+            <a:off x="708706" y="2779259"/>
+            <a:ext cx="7600333" cy="298677"/>
+          </a:xfrm>
+          <a:prstGeom prst="rect">
+            <a:avLst/>
+          </a:prstGeom>
+          <a:noFill/>
+          <a:ln w="9525">
+            <a:noFill/>
+            <a:miter lim="800000"/>
+            <a:headEnd/>
+            <a:tailEnd/>
+          </a:ln>
+          <a:effectLst/>
+        </p:spPr>
+      </p:pic>
+      <p:sp>
+        <p:nvSpPr>
+          <p:cNvPr id="6" name="직사각형 5"/>
+          <p:cNvSpPr/>
+          <p:nvPr/>
+        </p:nvSpPr>
+        <p:spPr>
+          <a:xfrm>
+            <a:off x="219076" y="248692"/>
+            <a:ext cx="85724" cy="769441"/>
+          </a:xfrm>
+          <a:prstGeom prst="rect">
+            <a:avLst/>
+          </a:prstGeom>
+          <a:solidFill>
+            <a:schemeClr val="tx2">
+              <a:lumMod val="40000"/>
+              <a:lumOff val="60000"/>
+            </a:schemeClr>
+          </a:solidFill>
+          <a:ln>
+            <a:noFill/>
+          </a:ln>
+        </p:spPr>
+        <p:style>
+          <a:lnRef idx="2">
+            <a:schemeClr val="accent1">
+              <a:shade val="50000"/>
+            </a:schemeClr>
+          </a:lnRef>
+          <a:fillRef idx="1">
+            <a:schemeClr val="accent1"/>
+          </a:fillRef>
+          <a:effectRef idx="0">
+            <a:schemeClr val="accent1"/>
+          </a:effectRef>
+          <a:fontRef idx="minor">
+            <a:schemeClr val="lt1"/>
+          </a:fontRef>
+        </p:style>
+        <p:txBody>
+          <a:bodyPr rtlCol="0" anchor="ctr"/>
+          <a:lstStyle/>
+          <a:p>
+            <a:pPr algn="ctr"/>
+            <a:endParaRPr lang="ko-KR" altLang="en-US"/>
+          </a:p>
+        </p:txBody>
+      </p:sp>
+      <p:sp>
+        <p:nvSpPr>
+          <p:cNvPr id="7" name="TextBox 6"/>
+          <p:cNvSpPr txBox="1"/>
+          <p:nvPr/>
+        </p:nvSpPr>
+        <p:spPr>
+          <a:xfrm>
+            <a:off x="381001" y="249734"/>
+            <a:ext cx="6954148" cy="584775"/>
+          </a:xfrm>
+          <a:prstGeom prst="rect">
+            <a:avLst/>
+          </a:prstGeom>
+          <a:noFill/>
+        </p:spPr>
+        <p:txBody>
+          <a:bodyPr wrap="none" rtlCol="0">
+            <a:spAutoFit/>
+          </a:bodyPr>
+          <a:lstStyle/>
+          <a:p>
+            <a:r>
+              <a:rPr lang="en-US" altLang="ko-KR" sz="3200" spc="-150" dirty="0" smtClean="0">
+                <a:solidFill>
+                  <a:srgbClr val="525252"/>
+                </a:solidFill>
+              </a:rPr>
+              <a:t>3. </a:t>
+            </a:r>
+            <a:r>
+              <a:rPr lang="ko-KR" altLang="en-US" sz="3200" spc="-150" dirty="0" smtClean="0">
+                <a:solidFill>
+                  <a:srgbClr val="525252"/>
+                </a:solidFill>
+              </a:rPr>
+              <a:t>한계점을 극복하기 위해 시도한 것들</a:t>
+            </a:r>
+            <a:endParaRPr lang="ko-KR" altLang="en-US" sz="3200" spc="-150" dirty="0">
+              <a:solidFill>
+                <a:srgbClr val="525252"/>
+              </a:solidFill>
+            </a:endParaRPr>
+          </a:p>
+        </p:txBody>
+      </p:sp>
+      <p:sp>
+        <p:nvSpPr>
+          <p:cNvPr id="8" name="직사각형 7"/>
+          <p:cNvSpPr/>
+          <p:nvPr/>
+        </p:nvSpPr>
+        <p:spPr>
+          <a:xfrm>
+            <a:off x="219076" y="248692"/>
+            <a:ext cx="85724" cy="769441"/>
+          </a:xfrm>
+          <a:prstGeom prst="rect">
+            <a:avLst/>
+          </a:prstGeom>
+          <a:solidFill>
+            <a:schemeClr val="tx2">
+              <a:lumMod val="40000"/>
+              <a:lumOff val="60000"/>
+            </a:schemeClr>
+          </a:solidFill>
+          <a:ln>
+            <a:noFill/>
+          </a:ln>
+        </p:spPr>
+        <p:style>
+          <a:lnRef idx="2">
+            <a:schemeClr val="accent1">
+              <a:shade val="50000"/>
+            </a:schemeClr>
+          </a:lnRef>
+          <a:fillRef idx="1">
+            <a:schemeClr val="accent1"/>
+          </a:fillRef>
+          <a:effectRef idx="0">
+            <a:schemeClr val="accent1"/>
+          </a:effectRef>
+          <a:fontRef idx="minor">
+            <a:schemeClr val="lt1"/>
+          </a:fontRef>
+        </p:style>
+        <p:txBody>
+          <a:bodyPr rtlCol="0" anchor="ctr"/>
+          <a:lstStyle/>
+          <a:p>
+            <a:pPr algn="ctr"/>
+            <a:endParaRPr lang="ko-KR" altLang="en-US"/>
+          </a:p>
+        </p:txBody>
+      </p:sp>
+      <p:sp>
+        <p:nvSpPr>
+          <p:cNvPr id="10" name="직사각형 9"/>
+          <p:cNvSpPr/>
+          <p:nvPr/>
+        </p:nvSpPr>
+        <p:spPr>
+          <a:xfrm>
+            <a:off x="425883" y="851770"/>
+            <a:ext cx="8542751" cy="488515"/>
+          </a:xfrm>
+          <a:prstGeom prst="rect">
+            <a:avLst/>
+          </a:prstGeom>
+          <a:noFill/>
+          <a:ln>
+            <a:solidFill>
+              <a:schemeClr val="bg1"/>
+            </a:solidFill>
+          </a:ln>
+        </p:spPr>
+        <p:style>
+          <a:lnRef idx="2">
+            <a:schemeClr val="accent1">
+              <a:shade val="50000"/>
+            </a:schemeClr>
+          </a:lnRef>
+          <a:fillRef idx="1">
+            <a:schemeClr val="accent1"/>
+          </a:fillRef>
+          <a:effectRef idx="0">
+            <a:schemeClr val="accent1"/>
+          </a:effectRef>
+          <a:fontRef idx="minor">
+            <a:schemeClr val="lt1"/>
+          </a:fontRef>
+        </p:style>
+        <p:txBody>
+          <a:bodyPr rtlCol="0" anchor="ctr"/>
+          <a:lstStyle/>
+          <a:p>
+            <a:r>
+              <a:rPr lang="en-US" altLang="ko-KR" sz="2000" dirty="0" smtClean="0">
+                <a:solidFill>
+                  <a:schemeClr val="tx1"/>
+                </a:solidFill>
+              </a:rPr>
+              <a:t>3-3) </a:t>
+            </a:r>
+            <a:r>
+              <a:rPr lang="ko-KR" altLang="en-US" sz="2000" dirty="0" smtClean="0">
+                <a:solidFill>
+                  <a:schemeClr val="tx1"/>
+                </a:solidFill>
+              </a:rPr>
+              <a:t>에러 값 연산</a:t>
+            </a:r>
+            <a:endParaRPr lang="ko-KR" altLang="en-US" sz="2000" dirty="0">
+              <a:solidFill>
+                <a:schemeClr val="tx1"/>
+              </a:solidFill>
+            </a:endParaRPr>
+          </a:p>
+        </p:txBody>
+      </p:sp>
+    </p:spTree>
+    <p:extLst>
+      <p:ext uri="{BB962C8B-B14F-4D97-AF65-F5344CB8AC3E}">
+        <p14:creationId xmlns="" xmlns:p14="http://schemas.microsoft.com/office/powerpoint/2010/main" val="3515428851"/>
+      </p:ext>
+    </p:extLst>
+  </p:cSld>
+  <p:clrMapOvr>
+    <a:masterClrMapping/>
+  </p:clrMapOvr>
+  <p:timing>
+    <p:tnLst>
+      <p:par>
+        <p:cTn id="1" dur="indefinite" restart="never" nodeType="tmRoot"/>
+      </p:par>
+    </p:tnLst>
+  </p:timing>
+</p:sld>
+</file>
+
+<file path=ppt/slides/slide14.xml><?xml version="1.0" encoding="utf-8"?>
+<p:sld xmlns:a="http://schemas.openxmlformats.org/drawingml/2006/main" xmlns:r="http://schemas.openxmlformats.org/officeDocument/2006/relationships" xmlns:p="http://schemas.openxmlformats.org/presentationml/2006/main">
+  <p:cSld>
+    <p:spTree>
+      <p:nvGrpSpPr>
+        <p:cNvPr id="1" name=""/>
+        <p:cNvGrpSpPr/>
+        <p:nvPr/>
+      </p:nvGrpSpPr>
+      <p:grpSpPr>
+        <a:xfrm>
+          <a:off x="0" y="0"/>
+          <a:ext cx="0" cy="0"/>
+          <a:chOff x="0" y="0"/>
+          <a:chExt cx="0" cy="0"/>
+        </a:xfrm>
+      </p:grpSpPr>
+      <p:sp>
+        <p:nvSpPr>
+          <p:cNvPr id="9" name="직사각형 8"/>
+          <p:cNvSpPr/>
+          <p:nvPr/>
+        </p:nvSpPr>
+        <p:spPr>
+          <a:xfrm>
+            <a:off x="219076" y="248692"/>
+            <a:ext cx="85724" cy="769441"/>
+          </a:xfrm>
+          <a:prstGeom prst="rect">
+            <a:avLst/>
+          </a:prstGeom>
+          <a:solidFill>
+            <a:schemeClr val="tx2">
+              <a:lumMod val="40000"/>
+              <a:lumOff val="60000"/>
+            </a:schemeClr>
+          </a:solidFill>
+          <a:ln>
+            <a:noFill/>
+          </a:ln>
+        </p:spPr>
+        <p:style>
+          <a:lnRef idx="2">
+            <a:schemeClr val="accent1">
+              <a:shade val="50000"/>
+            </a:schemeClr>
+          </a:lnRef>
+          <a:fillRef idx="1">
+            <a:schemeClr val="accent1"/>
+          </a:fillRef>
+          <a:effectRef idx="0">
+            <a:schemeClr val="accent1"/>
+          </a:effectRef>
+          <a:fontRef idx="minor">
+            <a:schemeClr val="lt1"/>
+          </a:fontRef>
+        </p:style>
+        <p:txBody>
+          <a:bodyPr rtlCol="0" anchor="ctr"/>
+          <a:lstStyle/>
+          <a:p>
+            <a:pPr algn="ctr"/>
+            <a:endParaRPr lang="ko-KR" altLang="en-US"/>
+          </a:p>
+        </p:txBody>
+      </p:sp>
+      <p:sp>
+        <p:nvSpPr>
+          <p:cNvPr id="4" name="직사각형 3"/>
+          <p:cNvSpPr/>
+          <p:nvPr/>
+        </p:nvSpPr>
+        <p:spPr>
+          <a:xfrm>
+            <a:off x="421635" y="1268151"/>
+            <a:ext cx="8542751" cy="2128193"/>
+          </a:xfrm>
+          <a:prstGeom prst="rect">
+            <a:avLst/>
+          </a:prstGeom>
+          <a:noFill/>
+          <a:ln>
+            <a:solidFill>
+              <a:schemeClr val="bg1"/>
+            </a:solidFill>
+          </a:ln>
+        </p:spPr>
+        <p:style>
+          <a:lnRef idx="2">
+            <a:schemeClr val="accent1">
+              <a:shade val="50000"/>
+            </a:schemeClr>
+          </a:lnRef>
+          <a:fillRef idx="1">
+            <a:schemeClr val="accent1"/>
+          </a:fillRef>
+          <a:effectRef idx="0">
+            <a:schemeClr val="accent1"/>
+          </a:effectRef>
+          <a:fontRef idx="minor">
+            <a:schemeClr val="lt1"/>
+          </a:fontRef>
+        </p:style>
+        <p:txBody>
+          <a:bodyPr rtlCol="0" anchor="ctr"/>
+          <a:lstStyle/>
+          <a:p>
+            <a:r>
+              <a:rPr lang="ko-KR" altLang="en-US" sz="2000" dirty="0" smtClean="0">
+                <a:solidFill>
+                  <a:schemeClr val="tx1"/>
+                </a:solidFill>
+              </a:rPr>
+              <a:t>각 </a:t>
+            </a:r>
+            <a:r>
+              <a:rPr lang="ko-KR" altLang="en-US" sz="2000" dirty="0" smtClean="0">
+                <a:solidFill>
+                  <a:schemeClr val="tx1"/>
+                </a:solidFill>
+              </a:rPr>
+              <a:t>픽셀에 대해 </a:t>
+            </a:r>
+            <a:r>
+              <a:rPr lang="ko-KR" altLang="en-US" sz="2000" dirty="0" smtClean="0">
+                <a:solidFill>
+                  <a:schemeClr val="tx1"/>
+                </a:solidFill>
+              </a:rPr>
+              <a:t>자기자신을 </a:t>
+            </a:r>
+            <a:r>
+              <a:rPr lang="en-US" altLang="ko-KR" sz="2000" dirty="0" smtClean="0">
+                <a:solidFill>
+                  <a:schemeClr val="tx1"/>
+                </a:solidFill>
+              </a:rPr>
+              <a:t>toggling </a:t>
+            </a:r>
+            <a:r>
+              <a:rPr lang="ko-KR" altLang="en-US" sz="2000" dirty="0" smtClean="0">
+                <a:solidFill>
+                  <a:schemeClr val="tx1"/>
+                </a:solidFill>
+              </a:rPr>
+              <a:t>하고 주변 </a:t>
+            </a:r>
+            <a:r>
+              <a:rPr lang="ko-KR" altLang="en-US" sz="2000" dirty="0" smtClean="0">
+                <a:solidFill>
+                  <a:schemeClr val="tx1"/>
+                </a:solidFill>
+              </a:rPr>
+              <a:t>픽셀 </a:t>
+            </a:r>
+            <a:r>
+              <a:rPr lang="en-US" altLang="ko-KR" sz="2000" dirty="0" smtClean="0">
+                <a:solidFill>
+                  <a:schemeClr val="tx1"/>
+                </a:solidFill>
+              </a:rPr>
+              <a:t>8</a:t>
+            </a:r>
+            <a:r>
+              <a:rPr lang="ko-KR" altLang="en-US" sz="2000" dirty="0" smtClean="0">
+                <a:solidFill>
+                  <a:schemeClr val="tx1"/>
+                </a:solidFill>
+              </a:rPr>
+              <a:t>개에 대해 </a:t>
+            </a:r>
+            <a:r>
+              <a:rPr lang="en-US" altLang="ko-KR" sz="2000" dirty="0" smtClean="0">
+                <a:solidFill>
+                  <a:schemeClr val="tx1"/>
+                </a:solidFill>
+              </a:rPr>
+              <a:t>Swapping </a:t>
+            </a:r>
+            <a:r>
+              <a:rPr lang="ko-KR" altLang="en-US" sz="2000" dirty="0" smtClean="0">
+                <a:solidFill>
+                  <a:schemeClr val="tx1"/>
+                </a:solidFill>
+              </a:rPr>
+              <a:t>하여 에러 값을 계산하고 그 중 최소값을 구하면서 진행</a:t>
+            </a:r>
+            <a:endParaRPr lang="en-US" altLang="ko-KR" sz="2000" dirty="0" smtClean="0">
+              <a:solidFill>
+                <a:schemeClr val="tx1"/>
+              </a:solidFill>
+            </a:endParaRPr>
+          </a:p>
+          <a:p>
+            <a:endParaRPr lang="en-US" altLang="ko-KR" sz="2000" dirty="0" smtClean="0">
+              <a:solidFill>
+                <a:schemeClr val="tx1"/>
+              </a:solidFill>
+            </a:endParaRPr>
+          </a:p>
+          <a:p>
+            <a:endParaRPr lang="en-US" altLang="ko-KR" sz="2000" dirty="0" smtClean="0">
+              <a:solidFill>
+                <a:schemeClr val="tx1"/>
+              </a:solidFill>
+            </a:endParaRPr>
+          </a:p>
+          <a:p>
+            <a:r>
+              <a:rPr lang="ko-KR" altLang="en-US" sz="2000" dirty="0" smtClean="0">
+                <a:solidFill>
+                  <a:schemeClr val="tx1"/>
+                </a:solidFill>
+              </a:rPr>
+              <a:t>구한 에러 값이 </a:t>
+            </a:r>
+            <a:r>
+              <a:rPr lang="en-US" altLang="ko-KR" sz="2000" dirty="0" smtClean="0">
+                <a:solidFill>
+                  <a:schemeClr val="tx1"/>
+                </a:solidFill>
+              </a:rPr>
+              <a:t>0</a:t>
+            </a:r>
+            <a:r>
+              <a:rPr lang="ko-KR" altLang="en-US" sz="2000" dirty="0" smtClean="0">
+                <a:solidFill>
+                  <a:schemeClr val="tx1"/>
+                </a:solidFill>
+              </a:rPr>
+              <a:t>보다 작을 경우 상호상관 행렬과 현재 픽셀 값을 갱신하면서 모든 픽셀에 대한에러 값이 </a:t>
+            </a:r>
+            <a:r>
+              <a:rPr lang="en-US" altLang="ko-KR" sz="2000" dirty="0" smtClean="0">
+                <a:solidFill>
+                  <a:schemeClr val="tx1"/>
+                </a:solidFill>
+              </a:rPr>
+              <a:t>0</a:t>
+            </a:r>
+            <a:r>
+              <a:rPr lang="ko-KR" altLang="en-US" sz="2000" dirty="0" smtClean="0">
+                <a:solidFill>
+                  <a:schemeClr val="tx1"/>
+                </a:solidFill>
+              </a:rPr>
+              <a:t>보다 같거나 커질 때까지 반복 시행</a:t>
+            </a:r>
+            <a:endParaRPr lang="ko-KR" altLang="en-US" sz="2000" dirty="0">
+              <a:solidFill>
+                <a:schemeClr val="tx1"/>
+              </a:solidFill>
+            </a:endParaRPr>
+          </a:p>
+        </p:txBody>
+      </p:sp>
+      <p:pic>
+        <p:nvPicPr>
+          <p:cNvPr id="3074" name="Picture 2"/>
+          <p:cNvPicPr>
+            <a:picLocks noChangeAspect="1" noChangeArrowheads="1"/>
+          </p:cNvPicPr>
+          <p:nvPr/>
+        </p:nvPicPr>
+        <p:blipFill>
+          <a:blip r:embed="rId2" cstate="print"/>
+          <a:srcRect/>
+          <a:stretch>
+            <a:fillRect/>
+          </a:stretch>
+        </p:blipFill>
+        <p:spPr bwMode="auto">
+          <a:xfrm>
+            <a:off x="449037" y="4447663"/>
+            <a:ext cx="8270422" cy="481523"/>
+          </a:xfrm>
+          <a:prstGeom prst="rect">
+            <a:avLst/>
+          </a:prstGeom>
+          <a:noFill/>
+          <a:ln w="9525">
+            <a:noFill/>
+            <a:miter lim="800000"/>
+            <a:headEnd/>
+            <a:tailEnd/>
+          </a:ln>
+          <a:effectLst/>
+        </p:spPr>
+      </p:pic>
+      <p:pic>
+        <p:nvPicPr>
+          <p:cNvPr id="3075" name="Picture 3"/>
+          <p:cNvPicPr>
+            <a:picLocks noChangeAspect="1" noChangeArrowheads="1"/>
+          </p:cNvPicPr>
+          <p:nvPr/>
+        </p:nvPicPr>
+        <p:blipFill>
+          <a:blip r:embed="rId3" cstate="print"/>
+          <a:srcRect/>
+          <a:stretch>
+            <a:fillRect/>
+          </a:stretch>
+        </p:blipFill>
+        <p:spPr bwMode="auto">
+          <a:xfrm>
+            <a:off x="431799" y="5282974"/>
+            <a:ext cx="8393113" cy="962025"/>
+          </a:xfrm>
+          <a:prstGeom prst="rect">
+            <a:avLst/>
+          </a:prstGeom>
+          <a:noFill/>
+          <a:ln w="9525">
+            <a:noFill/>
+            <a:miter lim="800000"/>
+            <a:headEnd/>
+            <a:tailEnd/>
+          </a:ln>
+          <a:effectLst/>
+        </p:spPr>
+      </p:pic>
+      <p:cxnSp>
+        <p:nvCxnSpPr>
+          <p:cNvPr id="10" name="직선 화살표 연결선 9"/>
+          <p:cNvCxnSpPr/>
+          <p:nvPr/>
+        </p:nvCxnSpPr>
+        <p:spPr>
+          <a:xfrm>
+            <a:off x="4547507" y="2090057"/>
+            <a:ext cx="0" cy="465364"/>
+          </a:xfrm>
+          <a:prstGeom prst="straightConnector1">
+            <a:avLst/>
+          </a:prstGeom>
+          <a:ln>
+            <a:tailEnd type="arrow"/>
+          </a:ln>
+        </p:spPr>
+        <p:style>
+          <a:lnRef idx="1">
+            <a:schemeClr val="accent1"/>
+          </a:lnRef>
+          <a:fillRef idx="0">
+            <a:schemeClr val="accent1"/>
+          </a:fillRef>
+          <a:effectRef idx="0">
+            <a:schemeClr val="accent1"/>
+          </a:effectRef>
+          <a:fontRef idx="minor">
+            <a:schemeClr val="tx1"/>
+          </a:fontRef>
+        </p:style>
+      </p:cxnSp>
+      <p:sp>
+        <p:nvSpPr>
+          <p:cNvPr id="11" name="직사각형 10"/>
+          <p:cNvSpPr/>
+          <p:nvPr/>
+        </p:nvSpPr>
+        <p:spPr>
+          <a:xfrm>
+            <a:off x="397141" y="3502478"/>
+            <a:ext cx="8542751" cy="629993"/>
+          </a:xfrm>
+          <a:prstGeom prst="rect">
+            <a:avLst/>
+          </a:prstGeom>
+          <a:noFill/>
+          <a:ln>
+            <a:solidFill>
+              <a:schemeClr val="bg1"/>
+            </a:solidFill>
+          </a:ln>
+        </p:spPr>
+        <p:style>
+          <a:lnRef idx="2">
+            <a:schemeClr val="accent1">
+              <a:shade val="50000"/>
+            </a:schemeClr>
+          </a:lnRef>
+          <a:fillRef idx="1">
+            <a:schemeClr val="accent1"/>
+          </a:fillRef>
+          <a:effectRef idx="0">
+            <a:schemeClr val="accent1"/>
+          </a:effectRef>
+          <a:fontRef idx="minor">
+            <a:schemeClr val="lt1"/>
+          </a:fontRef>
+        </p:style>
+        <p:txBody>
+          <a:bodyPr rtlCol="0" anchor="ctr"/>
+          <a:lstStyle/>
+          <a:p>
+            <a:r>
+              <a:rPr lang="en-US" altLang="ko-KR" sz="2000" dirty="0" smtClean="0">
+                <a:solidFill>
+                  <a:schemeClr val="tx1"/>
+                </a:solidFill>
+              </a:rPr>
+              <a:t>a1, a0</a:t>
+            </a:r>
+            <a:r>
+              <a:rPr lang="ko-KR" altLang="en-US" sz="2000" dirty="0" smtClean="0">
+                <a:solidFill>
+                  <a:schemeClr val="tx1"/>
+                </a:solidFill>
+              </a:rPr>
+              <a:t>은 픽셀에 대해 </a:t>
+            </a:r>
+            <a:r>
+              <a:rPr lang="en-US" altLang="ko-KR" sz="2000" dirty="0" smtClean="0">
+                <a:solidFill>
+                  <a:schemeClr val="tx1"/>
+                </a:solidFill>
+              </a:rPr>
+              <a:t>toggling</a:t>
+            </a:r>
+            <a:r>
+              <a:rPr lang="ko-KR" altLang="en-US" sz="2000" dirty="0" smtClean="0">
+                <a:solidFill>
+                  <a:schemeClr val="tx1"/>
+                </a:solidFill>
+              </a:rPr>
+              <a:t>과 </a:t>
+            </a:r>
+            <a:r>
+              <a:rPr lang="en-US" altLang="ko-KR" sz="2000" dirty="0" smtClean="0">
+                <a:solidFill>
+                  <a:schemeClr val="tx1"/>
+                </a:solidFill>
+              </a:rPr>
+              <a:t>Swapping</a:t>
+            </a:r>
+            <a:r>
+              <a:rPr lang="ko-KR" altLang="en-US" sz="2000" dirty="0" smtClean="0">
+                <a:solidFill>
+                  <a:schemeClr val="tx1"/>
+                </a:solidFill>
+              </a:rPr>
+              <a:t>을 시킨 수치 </a:t>
+            </a:r>
+            <a:r>
+              <a:rPr lang="en-US" altLang="ko-KR" sz="2000" dirty="0" smtClean="0">
+                <a:solidFill>
+                  <a:schemeClr val="tx1"/>
+                </a:solidFill>
+              </a:rPr>
+              <a:t>1</a:t>
+            </a:r>
+            <a:r>
+              <a:rPr lang="ko-KR" altLang="en-US" sz="2000" dirty="0" smtClean="0">
+                <a:solidFill>
+                  <a:schemeClr val="tx1"/>
+                </a:solidFill>
+              </a:rPr>
+              <a:t>이면 픽셀 값이 </a:t>
+            </a:r>
+            <a:r>
+              <a:rPr lang="en-US" altLang="ko-KR" sz="2000" dirty="0" smtClean="0">
+                <a:solidFill>
+                  <a:schemeClr val="tx1"/>
+                </a:solidFill>
+              </a:rPr>
+              <a:t>255(gray scale </a:t>
+            </a:r>
+            <a:r>
+              <a:rPr lang="ko-KR" altLang="en-US" sz="2000" dirty="0" smtClean="0">
+                <a:solidFill>
+                  <a:schemeClr val="tx1"/>
+                </a:solidFill>
+              </a:rPr>
+              <a:t>기준</a:t>
+            </a:r>
+            <a:r>
+              <a:rPr lang="en-US" altLang="ko-KR" sz="2000" dirty="0" smtClean="0">
+                <a:solidFill>
+                  <a:schemeClr val="tx1"/>
+                </a:solidFill>
+              </a:rPr>
+              <a:t>) -1 </a:t>
+            </a:r>
+            <a:r>
+              <a:rPr lang="ko-KR" altLang="en-US" sz="2000" dirty="0" smtClean="0">
+                <a:solidFill>
+                  <a:schemeClr val="tx1"/>
+                </a:solidFill>
+              </a:rPr>
+              <a:t>이면 </a:t>
+            </a:r>
+            <a:r>
+              <a:rPr lang="en-US" altLang="ko-KR" sz="2000" dirty="0" smtClean="0">
+                <a:solidFill>
+                  <a:schemeClr val="tx1"/>
+                </a:solidFill>
+              </a:rPr>
+              <a:t>0, 0</a:t>
+            </a:r>
+            <a:r>
+              <a:rPr lang="ko-KR" altLang="en-US" sz="2000" dirty="0" smtClean="0">
+                <a:solidFill>
+                  <a:schemeClr val="tx1"/>
+                </a:solidFill>
+              </a:rPr>
+              <a:t>이면 현재 픽셀 값 그대로</a:t>
+            </a:r>
+            <a:endParaRPr lang="ko-KR" altLang="en-US" sz="2000" dirty="0">
+              <a:solidFill>
+                <a:schemeClr val="tx1"/>
+              </a:solidFill>
+            </a:endParaRPr>
+          </a:p>
+        </p:txBody>
+      </p:sp>
+      <p:sp>
+        <p:nvSpPr>
+          <p:cNvPr id="12" name="직사각형 11"/>
+          <p:cNvSpPr/>
+          <p:nvPr/>
+        </p:nvSpPr>
+        <p:spPr>
+          <a:xfrm>
+            <a:off x="219076" y="248692"/>
+            <a:ext cx="85724" cy="769441"/>
+          </a:xfrm>
+          <a:prstGeom prst="rect">
+            <a:avLst/>
+          </a:prstGeom>
+          <a:solidFill>
+            <a:schemeClr val="tx2">
+              <a:lumMod val="40000"/>
+              <a:lumOff val="60000"/>
+            </a:schemeClr>
+          </a:solidFill>
+          <a:ln>
+            <a:noFill/>
+          </a:ln>
+        </p:spPr>
+        <p:style>
+          <a:lnRef idx="2">
+            <a:schemeClr val="accent1">
+              <a:shade val="50000"/>
+            </a:schemeClr>
+          </a:lnRef>
+          <a:fillRef idx="1">
+            <a:schemeClr val="accent1"/>
+          </a:fillRef>
+          <a:effectRef idx="0">
+            <a:schemeClr val="accent1"/>
+          </a:effectRef>
+          <a:fontRef idx="minor">
+            <a:schemeClr val="lt1"/>
+          </a:fontRef>
+        </p:style>
+        <p:txBody>
+          <a:bodyPr rtlCol="0" anchor="ctr"/>
+          <a:lstStyle/>
+          <a:p>
+            <a:pPr algn="ctr"/>
+            <a:endParaRPr lang="ko-KR" altLang="en-US"/>
+          </a:p>
+        </p:txBody>
+      </p:sp>
+      <p:sp>
+        <p:nvSpPr>
+          <p:cNvPr id="13" name="TextBox 12"/>
+          <p:cNvSpPr txBox="1"/>
+          <p:nvPr/>
+        </p:nvSpPr>
+        <p:spPr>
+          <a:xfrm>
+            <a:off x="381001" y="249734"/>
+            <a:ext cx="6954148" cy="584775"/>
+          </a:xfrm>
+          <a:prstGeom prst="rect">
+            <a:avLst/>
+          </a:prstGeom>
+          <a:noFill/>
+        </p:spPr>
+        <p:txBody>
+          <a:bodyPr wrap="none" rtlCol="0">
+            <a:spAutoFit/>
+          </a:bodyPr>
+          <a:lstStyle/>
+          <a:p>
+            <a:r>
+              <a:rPr lang="en-US" altLang="ko-KR" sz="3200" spc="-150" dirty="0" smtClean="0">
+                <a:solidFill>
+                  <a:srgbClr val="525252"/>
+                </a:solidFill>
+              </a:rPr>
+              <a:t>3. </a:t>
+            </a:r>
+            <a:r>
+              <a:rPr lang="ko-KR" altLang="en-US" sz="3200" spc="-150" dirty="0" smtClean="0">
+                <a:solidFill>
+                  <a:srgbClr val="525252"/>
+                </a:solidFill>
+              </a:rPr>
+              <a:t>한계점을 극복하기 위해 시도한 것들</a:t>
+            </a:r>
+            <a:endParaRPr lang="ko-KR" altLang="en-US" sz="3200" spc="-150" dirty="0">
+              <a:solidFill>
+                <a:srgbClr val="525252"/>
+              </a:solidFill>
+            </a:endParaRPr>
+          </a:p>
+        </p:txBody>
+      </p:sp>
+      <p:sp>
+        <p:nvSpPr>
+          <p:cNvPr id="14" name="직사각형 13"/>
+          <p:cNvSpPr/>
+          <p:nvPr/>
+        </p:nvSpPr>
+        <p:spPr>
+          <a:xfrm>
+            <a:off x="219076" y="248692"/>
+            <a:ext cx="85724" cy="769441"/>
+          </a:xfrm>
+          <a:prstGeom prst="rect">
+            <a:avLst/>
+          </a:prstGeom>
+          <a:solidFill>
+            <a:schemeClr val="tx2">
+              <a:lumMod val="40000"/>
+              <a:lumOff val="60000"/>
+            </a:schemeClr>
+          </a:solidFill>
+          <a:ln>
+            <a:noFill/>
+          </a:ln>
+        </p:spPr>
+        <p:style>
+          <a:lnRef idx="2">
+            <a:schemeClr val="accent1">
+              <a:shade val="50000"/>
+            </a:schemeClr>
+          </a:lnRef>
+          <a:fillRef idx="1">
+            <a:schemeClr val="accent1"/>
+          </a:fillRef>
+          <a:effectRef idx="0">
+            <a:schemeClr val="accent1"/>
+          </a:effectRef>
+          <a:fontRef idx="minor">
+            <a:schemeClr val="lt1"/>
+          </a:fontRef>
+        </p:style>
+        <p:txBody>
+          <a:bodyPr rtlCol="0" anchor="ctr"/>
+          <a:lstStyle/>
+          <a:p>
+            <a:pPr algn="ctr"/>
+            <a:endParaRPr lang="ko-KR" altLang="en-US"/>
+          </a:p>
+        </p:txBody>
+      </p:sp>
+      <p:sp>
+        <p:nvSpPr>
+          <p:cNvPr id="16" name="직사각형 15"/>
+          <p:cNvSpPr/>
+          <p:nvPr/>
+        </p:nvSpPr>
+        <p:spPr>
+          <a:xfrm>
+            <a:off x="425883" y="851770"/>
+            <a:ext cx="8542751" cy="488515"/>
+          </a:xfrm>
+          <a:prstGeom prst="rect">
+            <a:avLst/>
+          </a:prstGeom>
+          <a:noFill/>
+          <a:ln>
+            <a:solidFill>
+              <a:schemeClr val="bg1"/>
+            </a:solidFill>
+          </a:ln>
+        </p:spPr>
+        <p:style>
+          <a:lnRef idx="2">
+            <a:schemeClr val="accent1">
+              <a:shade val="50000"/>
+            </a:schemeClr>
+          </a:lnRef>
+          <a:fillRef idx="1">
+            <a:schemeClr val="accent1"/>
+          </a:fillRef>
+          <a:effectRef idx="0">
+            <a:schemeClr val="accent1"/>
+          </a:effectRef>
+          <a:fontRef idx="minor">
+            <a:schemeClr val="lt1"/>
+          </a:fontRef>
+        </p:style>
+        <p:txBody>
+          <a:bodyPr rtlCol="0" anchor="ctr"/>
+          <a:lstStyle/>
+          <a:p>
+            <a:r>
+              <a:rPr lang="en-US" altLang="ko-KR" sz="2000" dirty="0" smtClean="0">
+                <a:solidFill>
+                  <a:schemeClr val="tx1"/>
+                </a:solidFill>
+              </a:rPr>
+              <a:t>3-4) </a:t>
+            </a:r>
+            <a:r>
+              <a:rPr lang="en-US" altLang="ko-KR" sz="2000" dirty="0" smtClean="0">
+                <a:solidFill>
+                  <a:schemeClr val="tx1"/>
+                </a:solidFill>
+              </a:rPr>
+              <a:t>DBS </a:t>
+            </a:r>
+            <a:r>
+              <a:rPr lang="ko-KR" altLang="en-US" sz="2000" dirty="0" smtClean="0">
+                <a:solidFill>
+                  <a:schemeClr val="tx1"/>
+                </a:solidFill>
+              </a:rPr>
+              <a:t>알고리즘</a:t>
+            </a:r>
+            <a:endParaRPr lang="ko-KR" altLang="en-US" sz="2000" dirty="0">
+              <a:solidFill>
+                <a:schemeClr val="tx1"/>
+              </a:solidFill>
+            </a:endParaRPr>
+          </a:p>
+        </p:txBody>
+      </p:sp>
+    </p:spTree>
+    <p:extLst>
+      <p:ext uri="{BB962C8B-B14F-4D97-AF65-F5344CB8AC3E}">
+        <p14:creationId xmlns="" xmlns:p14="http://schemas.microsoft.com/office/powerpoint/2010/main" val="3515428851"/>
+      </p:ext>
+    </p:extLst>
+  </p:cSld>
+  <p:clrMapOvr>
+    <a:masterClrMapping/>
+  </p:clrMapOvr>
+  <p:timing>
+    <p:tnLst>
+      <p:par>
+        <p:cTn id="1" dur="indefinite" restart="never" nodeType="tmRoot"/>
+      </p:par>
+    </p:tnLst>
+  </p:timing>
+</p:sld>
+</file>
+
+<file path=ppt/slides/slide15.xml><?xml version="1.0" encoding="utf-8"?>
+<p:sld xmlns:a="http://schemas.openxmlformats.org/drawingml/2006/main" xmlns:r="http://schemas.openxmlformats.org/officeDocument/2006/relationships" xmlns:p="http://schemas.openxmlformats.org/presentationml/2006/main">
+  <p:cSld>
+    <p:spTree>
+      <p:nvGrpSpPr>
+        <p:cNvPr id="1" name=""/>
+        <p:cNvGrpSpPr/>
+        <p:nvPr/>
+      </p:nvGrpSpPr>
+      <p:grpSpPr>
+        <a:xfrm>
+          <a:off x="0" y="0"/>
+          <a:ext cx="0" cy="0"/>
+          <a:chOff x="0" y="0"/>
+          <a:chExt cx="0" cy="0"/>
+        </a:xfrm>
+      </p:grpSpPr>
+      <p:sp>
+        <p:nvSpPr>
+          <p:cNvPr id="15" name="TextBox 14"/>
+          <p:cNvSpPr txBox="1"/>
+          <p:nvPr/>
+        </p:nvSpPr>
+        <p:spPr>
+          <a:xfrm>
+            <a:off x="6067817" y="750776"/>
+            <a:ext cx="2254143" cy="400110"/>
+          </a:xfrm>
+          <a:prstGeom prst="rect">
+            <a:avLst/>
+          </a:prstGeom>
+          <a:noFill/>
+        </p:spPr>
+        <p:txBody>
+          <a:bodyPr wrap="none" rtlCol="0">
+            <a:spAutoFit/>
+          </a:bodyPr>
+          <a:lstStyle/>
+          <a:p>
+            <a:r>
+              <a:rPr lang="en-US" altLang="ko-KR" sz="2000" spc="-150" dirty="0" smtClean="0">
+                <a:solidFill>
+                  <a:srgbClr val="525252"/>
+                </a:solidFill>
+              </a:rPr>
+              <a:t>Floyd Steinberg </a:t>
+            </a:r>
+            <a:r>
+              <a:rPr lang="ko-KR" altLang="en-US" sz="2000" spc="-150" dirty="0" smtClean="0">
+                <a:solidFill>
+                  <a:srgbClr val="525252"/>
+                </a:solidFill>
+              </a:rPr>
+              <a:t>결과</a:t>
+            </a:r>
+            <a:endParaRPr lang="en-US" altLang="ko-KR" sz="2000" spc="-150" dirty="0" smtClean="0">
+              <a:solidFill>
+                <a:srgbClr val="525252"/>
+              </a:solidFill>
+            </a:endParaRPr>
+          </a:p>
+        </p:txBody>
+      </p:sp>
+      <p:sp>
+        <p:nvSpPr>
+          <p:cNvPr id="9" name="직사각형 8"/>
+          <p:cNvSpPr/>
+          <p:nvPr/>
+        </p:nvSpPr>
+        <p:spPr>
+          <a:xfrm>
+            <a:off x="219076" y="248692"/>
+            <a:ext cx="85724" cy="769441"/>
+          </a:xfrm>
+          <a:prstGeom prst="rect">
+            <a:avLst/>
+          </a:prstGeom>
+          <a:solidFill>
+            <a:schemeClr val="tx2">
+              <a:lumMod val="40000"/>
+              <a:lumOff val="60000"/>
+            </a:schemeClr>
+          </a:solidFill>
+          <a:ln>
+            <a:noFill/>
+          </a:ln>
+        </p:spPr>
+        <p:style>
+          <a:lnRef idx="2">
+            <a:schemeClr val="accent1">
+              <a:shade val="50000"/>
+            </a:schemeClr>
+          </a:lnRef>
+          <a:fillRef idx="1">
+            <a:schemeClr val="accent1"/>
+          </a:fillRef>
+          <a:effectRef idx="0">
+            <a:schemeClr val="accent1"/>
+          </a:effectRef>
+          <a:fontRef idx="minor">
+            <a:schemeClr val="lt1"/>
+          </a:fontRef>
+        </p:style>
+        <p:txBody>
+          <a:bodyPr rtlCol="0" anchor="ctr"/>
+          <a:lstStyle/>
+          <a:p>
+            <a:pPr algn="ctr"/>
+            <a:endParaRPr lang="ko-KR" altLang="en-US"/>
+          </a:p>
+        </p:txBody>
+      </p:sp>
+      <p:sp>
+        <p:nvSpPr>
+          <p:cNvPr id="8" name="TextBox 7"/>
+          <p:cNvSpPr txBox="1"/>
+          <p:nvPr/>
+        </p:nvSpPr>
+        <p:spPr>
+          <a:xfrm>
+            <a:off x="1836108" y="727812"/>
+            <a:ext cx="1144865" cy="400110"/>
+          </a:xfrm>
+          <a:prstGeom prst="rect">
+            <a:avLst/>
+          </a:prstGeom>
+          <a:noFill/>
+        </p:spPr>
+        <p:txBody>
+          <a:bodyPr wrap="none" rtlCol="0">
+            <a:spAutoFit/>
+          </a:bodyPr>
+          <a:lstStyle/>
+          <a:p>
+            <a:r>
+              <a:rPr lang="en-US" altLang="ko-KR" sz="2000" spc="-150" dirty="0" smtClean="0">
+                <a:solidFill>
+                  <a:srgbClr val="525252"/>
+                </a:solidFill>
+              </a:rPr>
+              <a:t>DBS</a:t>
+            </a:r>
+            <a:r>
+              <a:rPr lang="ko-KR" altLang="en-US" sz="2000" spc="-150" dirty="0" smtClean="0">
+                <a:solidFill>
+                  <a:srgbClr val="525252"/>
+                </a:solidFill>
+              </a:rPr>
+              <a:t> 결과</a:t>
+            </a:r>
+            <a:endParaRPr lang="ko-KR" altLang="en-US" sz="2000" spc="-150" dirty="0">
+              <a:solidFill>
+                <a:srgbClr val="525252"/>
+              </a:solidFill>
+            </a:endParaRPr>
+          </a:p>
+        </p:txBody>
+      </p:sp>
+      <p:pic>
+        <p:nvPicPr>
+          <p:cNvPr id="10" name="Picture 3"/>
+          <p:cNvPicPr>
+            <a:picLocks noChangeAspect="1" noChangeArrowheads="1"/>
+          </p:cNvPicPr>
+          <p:nvPr/>
+        </p:nvPicPr>
+        <p:blipFill>
+          <a:blip r:embed="rId2" cstate="print"/>
+          <a:srcRect/>
+          <a:stretch>
+            <a:fillRect/>
+          </a:stretch>
+        </p:blipFill>
+        <p:spPr bwMode="auto">
+          <a:xfrm>
+            <a:off x="4647156" y="1139868"/>
+            <a:ext cx="4320762" cy="5104356"/>
+          </a:xfrm>
+          <a:prstGeom prst="rect">
+            <a:avLst/>
+          </a:prstGeom>
+          <a:noFill/>
+          <a:ln w="9525">
+            <a:noFill/>
+            <a:miter lim="800000"/>
+            <a:headEnd/>
+            <a:tailEnd/>
+          </a:ln>
+          <a:effectLst/>
+        </p:spPr>
+      </p:pic>
+      <p:pic>
+        <p:nvPicPr>
+          <p:cNvPr id="5124" name="Picture 4"/>
+          <p:cNvPicPr>
+            <a:picLocks noChangeAspect="1" noChangeArrowheads="1"/>
+          </p:cNvPicPr>
+          <p:nvPr/>
+        </p:nvPicPr>
+        <p:blipFill>
+          <a:blip r:embed="rId3" cstate="print"/>
+          <a:srcRect/>
+          <a:stretch>
+            <a:fillRect/>
+          </a:stretch>
+        </p:blipFill>
+        <p:spPr bwMode="auto">
+          <a:xfrm>
+            <a:off x="288099" y="1152394"/>
+            <a:ext cx="4325565" cy="5018285"/>
+          </a:xfrm>
+          <a:prstGeom prst="rect">
+            <a:avLst/>
+          </a:prstGeom>
+          <a:noFill/>
+          <a:ln w="9525">
+            <a:noFill/>
+            <a:miter lim="800000"/>
+            <a:headEnd/>
+            <a:tailEnd/>
+          </a:ln>
+          <a:effectLst/>
+        </p:spPr>
+      </p:pic>
+    </p:spTree>
+    <p:extLst>
+      <p:ext uri="{BB962C8B-B14F-4D97-AF65-F5344CB8AC3E}">
+        <p14:creationId xmlns="" xmlns:p14="http://schemas.microsoft.com/office/powerpoint/2010/main" val="3515428851"/>
+      </p:ext>
+    </p:extLst>
+  </p:cSld>
+  <p:clrMapOvr>
+    <a:masterClrMapping/>
+  </p:clrMapOvr>
+  <p:timing>
+    <p:tnLst>
+      <p:par>
+        <p:cTn id="1" dur="indefinite" restart="never" nodeType="tmRoot"/>
+      </p:par>
+    </p:tnLst>
+  </p:timing>
+</p:sld>
+</file>
+
+<file path=ppt/slides/slide16.xml><?xml version="1.0" encoding="utf-8"?>
+<p:sld xmlns:a="http://schemas.openxmlformats.org/drawingml/2006/main" xmlns:r="http://schemas.openxmlformats.org/officeDocument/2006/relationships" xmlns:p="http://schemas.openxmlformats.org/presentationml/2006/main">
+  <p:cSld>
+    <p:spTree>
+      <p:nvGrpSpPr>
+        <p:cNvPr id="1" name=""/>
+        <p:cNvGrpSpPr/>
+        <p:nvPr/>
+      </p:nvGrpSpPr>
+      <p:grpSpPr>
+        <a:xfrm>
+          <a:off x="0" y="0"/>
+          <a:ext cx="0" cy="0"/>
+          <a:chOff x="0" y="0"/>
+          <a:chExt cx="0" cy="0"/>
+        </a:xfrm>
+      </p:grpSpPr>
+      <p:sp>
+        <p:nvSpPr>
+          <p:cNvPr id="15" name="TextBox 14"/>
+          <p:cNvSpPr txBox="1"/>
+          <p:nvPr/>
+        </p:nvSpPr>
+        <p:spPr>
+          <a:xfrm>
+            <a:off x="6067817" y="750776"/>
+            <a:ext cx="2254143" cy="400110"/>
+          </a:xfrm>
+          <a:prstGeom prst="rect">
+            <a:avLst/>
+          </a:prstGeom>
+          <a:noFill/>
+        </p:spPr>
+        <p:txBody>
+          <a:bodyPr wrap="none" rtlCol="0">
+            <a:spAutoFit/>
+          </a:bodyPr>
+          <a:lstStyle/>
+          <a:p>
+            <a:r>
+              <a:rPr lang="en-US" altLang="ko-KR" sz="2000" spc="-150" dirty="0" smtClean="0">
+                <a:solidFill>
+                  <a:srgbClr val="525252"/>
+                </a:solidFill>
+              </a:rPr>
+              <a:t>Floyd Steinberg </a:t>
+            </a:r>
+            <a:r>
+              <a:rPr lang="ko-KR" altLang="en-US" sz="2000" spc="-150" dirty="0" smtClean="0">
+                <a:solidFill>
+                  <a:srgbClr val="525252"/>
+                </a:solidFill>
+              </a:rPr>
+              <a:t>결과</a:t>
+            </a:r>
+            <a:endParaRPr lang="en-US" altLang="ko-KR" sz="2000" spc="-150" dirty="0" smtClean="0">
+              <a:solidFill>
+                <a:srgbClr val="525252"/>
+              </a:solidFill>
+            </a:endParaRPr>
+          </a:p>
+        </p:txBody>
+      </p:sp>
+      <p:sp>
+        <p:nvSpPr>
+          <p:cNvPr id="9" name="직사각형 8"/>
+          <p:cNvSpPr/>
+          <p:nvPr/>
+        </p:nvSpPr>
+        <p:spPr>
+          <a:xfrm>
+            <a:off x="219076" y="248692"/>
+            <a:ext cx="85724" cy="769441"/>
+          </a:xfrm>
+          <a:prstGeom prst="rect">
+            <a:avLst/>
+          </a:prstGeom>
+          <a:solidFill>
+            <a:schemeClr val="tx2">
+              <a:lumMod val="40000"/>
+              <a:lumOff val="60000"/>
+            </a:schemeClr>
+          </a:solidFill>
+          <a:ln>
+            <a:noFill/>
+          </a:ln>
+        </p:spPr>
+        <p:style>
+          <a:lnRef idx="2">
+            <a:schemeClr val="accent1">
+              <a:shade val="50000"/>
+            </a:schemeClr>
+          </a:lnRef>
+          <a:fillRef idx="1">
+            <a:schemeClr val="accent1"/>
+          </a:fillRef>
+          <a:effectRef idx="0">
+            <a:schemeClr val="accent1"/>
+          </a:effectRef>
+          <a:fontRef idx="minor">
+            <a:schemeClr val="lt1"/>
+          </a:fontRef>
+        </p:style>
+        <p:txBody>
+          <a:bodyPr rtlCol="0" anchor="ctr"/>
+          <a:lstStyle/>
+          <a:p>
+            <a:pPr algn="ctr"/>
+            <a:endParaRPr lang="ko-KR" altLang="en-US"/>
+          </a:p>
+        </p:txBody>
+      </p:sp>
+      <p:sp>
+        <p:nvSpPr>
+          <p:cNvPr id="8" name="TextBox 7"/>
+          <p:cNvSpPr txBox="1"/>
+          <p:nvPr/>
+        </p:nvSpPr>
+        <p:spPr>
+          <a:xfrm>
+            <a:off x="1836108" y="727812"/>
+            <a:ext cx="1144865" cy="400110"/>
+          </a:xfrm>
+          <a:prstGeom prst="rect">
+            <a:avLst/>
+          </a:prstGeom>
+          <a:noFill/>
+        </p:spPr>
+        <p:txBody>
+          <a:bodyPr wrap="none" rtlCol="0">
+            <a:spAutoFit/>
+          </a:bodyPr>
+          <a:lstStyle/>
+          <a:p>
+            <a:r>
+              <a:rPr lang="en-US" altLang="ko-KR" sz="2000" spc="-150" dirty="0" smtClean="0">
+                <a:solidFill>
+                  <a:srgbClr val="525252"/>
+                </a:solidFill>
+              </a:rPr>
+              <a:t>DBS</a:t>
+            </a:r>
+            <a:r>
+              <a:rPr lang="ko-KR" altLang="en-US" sz="2000" spc="-150" dirty="0" smtClean="0">
+                <a:solidFill>
+                  <a:srgbClr val="525252"/>
+                </a:solidFill>
+              </a:rPr>
+              <a:t> 결과</a:t>
+            </a:r>
+            <a:endParaRPr lang="ko-KR" altLang="en-US" sz="2000" spc="-150" dirty="0">
+              <a:solidFill>
+                <a:srgbClr val="525252"/>
+              </a:solidFill>
+            </a:endParaRPr>
+          </a:p>
+        </p:txBody>
+      </p:sp>
+      <p:pic>
+        <p:nvPicPr>
+          <p:cNvPr id="6147" name="Picture 3"/>
+          <p:cNvPicPr>
+            <a:picLocks noChangeAspect="1" noChangeArrowheads="1"/>
+          </p:cNvPicPr>
+          <p:nvPr/>
+        </p:nvPicPr>
+        <p:blipFill>
+          <a:blip r:embed="rId2" cstate="print"/>
+          <a:srcRect/>
+          <a:stretch>
+            <a:fillRect/>
+          </a:stretch>
+        </p:blipFill>
+        <p:spPr bwMode="auto">
+          <a:xfrm>
+            <a:off x="4672208" y="1152395"/>
+            <a:ext cx="4321480" cy="4345792"/>
+          </a:xfrm>
+          <a:prstGeom prst="rect">
+            <a:avLst/>
+          </a:prstGeom>
+          <a:noFill/>
+          <a:ln w="9525">
+            <a:noFill/>
+            <a:miter lim="800000"/>
+            <a:headEnd/>
+            <a:tailEnd/>
+          </a:ln>
+          <a:effectLst/>
+        </p:spPr>
+      </p:pic>
+      <p:pic>
+        <p:nvPicPr>
+          <p:cNvPr id="6148" name="Picture 4"/>
+          <p:cNvPicPr>
+            <a:picLocks noChangeAspect="1" noChangeArrowheads="1"/>
+          </p:cNvPicPr>
+          <p:nvPr/>
+        </p:nvPicPr>
+        <p:blipFill>
+          <a:blip r:embed="rId3" cstate="print"/>
+          <a:srcRect/>
+          <a:stretch>
+            <a:fillRect/>
+          </a:stretch>
+        </p:blipFill>
+        <p:spPr bwMode="auto">
+          <a:xfrm>
+            <a:off x="312673" y="1127342"/>
+            <a:ext cx="4321957" cy="4471792"/>
+          </a:xfrm>
+          <a:prstGeom prst="rect">
+            <a:avLst/>
+          </a:prstGeom>
+          <a:noFill/>
+          <a:ln w="9525">
+            <a:noFill/>
+            <a:miter lim="800000"/>
+            <a:headEnd/>
+            <a:tailEnd/>
+          </a:ln>
+          <a:effectLst/>
+        </p:spPr>
+      </p:pic>
+    </p:spTree>
+    <p:extLst>
+      <p:ext uri="{BB962C8B-B14F-4D97-AF65-F5344CB8AC3E}">
+        <p14:creationId xmlns="" xmlns:p14="http://schemas.microsoft.com/office/powerpoint/2010/main" val="3515428851"/>
+      </p:ext>
+    </p:extLst>
+  </p:cSld>
+  <p:clrMapOvr>
+    <a:masterClrMapping/>
+  </p:clrMapOvr>
+  <p:timing>
+    <p:tnLst>
+      <p:par>
+        <p:cTn id="1" dur="indefinite" restart="never" nodeType="tmRoot"/>
+      </p:par>
+    </p:tnLst>
+  </p:timing>
+</p:sld>
+</file>
+
+<file path=ppt/slides/slide17.xml><?xml version="1.0" encoding="utf-8"?>
+<p:sld xmlns:a="http://schemas.openxmlformats.org/drawingml/2006/main" xmlns:r="http://schemas.openxmlformats.org/officeDocument/2006/relationships" xmlns:p="http://schemas.openxmlformats.org/presentationml/2006/main">
+  <p:cSld>
+    <p:spTree>
+      <p:nvGrpSpPr>
+        <p:cNvPr id="1" name=""/>
+        <p:cNvGrpSpPr/>
+        <p:nvPr/>
+      </p:nvGrpSpPr>
+      <p:grpSpPr>
+        <a:xfrm>
+          <a:off x="0" y="0"/>
+          <a:ext cx="0" cy="0"/>
+          <a:chOff x="0" y="0"/>
+          <a:chExt cx="0" cy="0"/>
+        </a:xfrm>
+      </p:grpSpPr>
+      <p:sp>
+        <p:nvSpPr>
+          <p:cNvPr id="15" name="TextBox 14"/>
+          <p:cNvSpPr txBox="1"/>
+          <p:nvPr/>
+        </p:nvSpPr>
+        <p:spPr>
+          <a:xfrm>
+            <a:off x="381001" y="249734"/>
+            <a:ext cx="5963492" cy="584775"/>
+          </a:xfrm>
+          <a:prstGeom prst="rect">
+            <a:avLst/>
+          </a:prstGeom>
+          <a:noFill/>
+        </p:spPr>
+        <p:txBody>
+          <a:bodyPr wrap="none" rtlCol="0">
+            <a:spAutoFit/>
+          </a:bodyPr>
+          <a:lstStyle/>
+          <a:p>
+            <a:r>
+              <a:rPr lang="en-US" altLang="ko-KR" sz="3200" spc="-150" dirty="0" smtClean="0">
+                <a:solidFill>
+                  <a:srgbClr val="525252"/>
+                </a:solidFill>
+              </a:rPr>
+              <a:t>4. DBS</a:t>
+            </a:r>
+            <a:r>
+              <a:rPr lang="ko-KR" altLang="en-US" sz="3200" spc="-150" dirty="0" smtClean="0">
+                <a:solidFill>
+                  <a:srgbClr val="525252"/>
+                </a:solidFill>
+              </a:rPr>
+              <a:t>의 한계점을 극복하는 방안</a:t>
+            </a:r>
+            <a:endParaRPr lang="ko-KR" altLang="en-US" sz="3200" spc="-150" dirty="0">
+              <a:solidFill>
+                <a:srgbClr val="525252"/>
+              </a:solidFill>
+            </a:endParaRPr>
+          </a:p>
+        </p:txBody>
+      </p:sp>
+      <p:sp>
+        <p:nvSpPr>
+          <p:cNvPr id="9" name="직사각형 8"/>
+          <p:cNvSpPr/>
+          <p:nvPr/>
+        </p:nvSpPr>
+        <p:spPr>
+          <a:xfrm>
+            <a:off x="219076" y="248692"/>
+            <a:ext cx="85724" cy="769441"/>
+          </a:xfrm>
+          <a:prstGeom prst="rect">
+            <a:avLst/>
+          </a:prstGeom>
+          <a:solidFill>
+            <a:schemeClr val="tx2">
+              <a:lumMod val="40000"/>
+              <a:lumOff val="60000"/>
+            </a:schemeClr>
+          </a:solidFill>
+          <a:ln>
+            <a:noFill/>
+          </a:ln>
+        </p:spPr>
+        <p:style>
+          <a:lnRef idx="2">
+            <a:schemeClr val="accent1">
+              <a:shade val="50000"/>
+            </a:schemeClr>
+          </a:lnRef>
+          <a:fillRef idx="1">
+            <a:schemeClr val="accent1"/>
+          </a:fillRef>
+          <a:effectRef idx="0">
+            <a:schemeClr val="accent1"/>
+          </a:effectRef>
+          <a:fontRef idx="minor">
+            <a:schemeClr val="lt1"/>
+          </a:fontRef>
+        </p:style>
+        <p:txBody>
+          <a:bodyPr rtlCol="0" anchor="ctr"/>
+          <a:lstStyle/>
+          <a:p>
+            <a:pPr algn="ctr"/>
+            <a:endParaRPr lang="ko-KR" altLang="en-US"/>
+          </a:p>
+        </p:txBody>
+      </p:sp>
+      <p:sp>
+        <p:nvSpPr>
+          <p:cNvPr id="39" name="직사각형 38"/>
+          <p:cNvSpPr/>
+          <p:nvPr/>
+        </p:nvSpPr>
+        <p:spPr>
+          <a:xfrm>
+            <a:off x="463464" y="1014607"/>
+            <a:ext cx="7903922" cy="4058434"/>
+          </a:xfrm>
+          <a:prstGeom prst="rect">
+            <a:avLst/>
+          </a:prstGeom>
+          <a:noFill/>
+          <a:ln>
+            <a:noFill/>
+          </a:ln>
+        </p:spPr>
+        <p:style>
+          <a:lnRef idx="2">
+            <a:schemeClr val="accent1">
+              <a:shade val="50000"/>
+            </a:schemeClr>
+          </a:lnRef>
+          <a:fillRef idx="1">
+            <a:schemeClr val="accent1"/>
+          </a:fillRef>
+          <a:effectRef idx="0">
+            <a:schemeClr val="accent1"/>
+          </a:effectRef>
+          <a:fontRef idx="minor">
+            <a:schemeClr val="lt1"/>
+          </a:fontRef>
+        </p:style>
+        <p:txBody>
+          <a:bodyPr rtlCol="0" anchor="ctr"/>
+          <a:lstStyle/>
+          <a:p>
             <a:endParaRPr lang="en-US" altLang="ko-KR" dirty="0" smtClean="0">
               <a:solidFill>
                 <a:schemeClr val="tx1"/>
@@ -4233,15 +6957,7 @@
                   <a:schemeClr val="tx1"/>
                 </a:solidFill>
               </a:rPr>
-              <a:t> </a:t>
-            </a:r>
-            <a:r>
-              <a:rPr lang="en-US" altLang="ko-KR" dirty="0" smtClean="0">
-                <a:solidFill>
-                  <a:schemeClr val="tx1"/>
-                </a:solidFill>
-              </a:rPr>
-              <a:t>Clipping Free DBS based </a:t>
+              <a:t> Clipping Free DBS based </a:t>
             </a:r>
             <a:r>
               <a:rPr lang="en-US" altLang="ko-KR" dirty="0" err="1" smtClean="0">
@@ -4501,7 +7217,7 @@
     </p:spTree>
     <p:extLst>
       <p:ext uri="{BB962C8B-B14F-4D97-AF65-F5344CB8AC3E}">
-        <p14:creationId xmlns:p14="http://schemas.microsoft.com/office/powerpoint/2010/main" xmlns="" val="3515428851"/>
+        <p14:creationId xmlns="" xmlns:p14="http://schemas.microsoft.com/office/powerpoint/2010/main" val="3515428851"/>
       </p:ext>
     </p:extLst>
   </p:cSld>
@@ -4701,15 +7417,7 @@
                   <a:srgbClr val="525252"/>
                 </a:solidFill>
               </a:rPr>
-              <a:t>양</a:t>
-            </a:r>
-            <a:r>
-              <a:rPr lang="ko-KR" altLang="en-US" sz="3200" spc="-150" dirty="0" smtClean="0">
-                <a:solidFill>
-                  <a:srgbClr val="525252"/>
-                </a:solidFill>
-              </a:rPr>
-              <a:t>방향</a:t>
+              <a:t>양방향</a:t>
             </a:r>
             <a:endParaRPr lang="ko-KR" altLang="en-US" sz="3200" spc="-150" dirty="0">
               <a:solidFill>
@@ -4728,7 +7436,7 @@
           <p:nvPr/>
         </p:nvPicPr>
         <p:blipFill>
-          <a:blip r:embed="rId2"/>
+          <a:blip r:embed="rId2" cstate="print"/>
           <a:srcRect/>
           <a:stretch>
             <a:fillRect/>
@@ -4761,7 +7469,7 @@
           <p:nvPr/>
         </p:nvPicPr>
         <p:blipFill>
-          <a:blip r:embed="rId3"/>
+          <a:blip r:embed="rId3" cstate="print"/>
           <a:srcRect/>
           <a:stretch>
             <a:fillRect/>
@@ -4788,7 +7496,7 @@
     </p:spTree>
     <p:extLst>
       <p:ext uri="{BB962C8B-B14F-4D97-AF65-F5344CB8AC3E}">
-        <p14:creationId xmlns:p14="http://schemas.microsoft.com/office/powerpoint/2010/main" xmlns="" val="3515428851"/>
+        <p14:creationId xmlns="" xmlns:p14="http://schemas.microsoft.com/office/powerpoint/2010/main" val="3515428851"/>
       </p:ext>
     </p:extLst>
   </p:cSld>
@@ -4926,7 +7634,7 @@
           <p:nvPr/>
         </p:nvPicPr>
         <p:blipFill>
-          <a:blip r:embed="rId2"/>
+          <a:blip r:embed="rId2" cstate="print"/>
           <a:srcRect/>
           <a:stretch>
             <a:fillRect/>
@@ -5091,7 +7799,7 @@
     </p:spTree>
     <p:extLst>
       <p:ext uri="{BB962C8B-B14F-4D97-AF65-F5344CB8AC3E}">
-        <p14:creationId xmlns:p14="http://schemas.microsoft.com/office/powerpoint/2010/main" xmlns="" val="3515428851"/>
+        <p14:creationId xmlns="" xmlns:p14="http://schemas.microsoft.com/office/powerpoint/2010/main" val="3515428851"/>
       </p:ext>
     </p:extLst>
   </p:cSld>
@@ -5868,11 +8576,6 @@
               </a:rPr>
               <a:t>.</a:t>
             </a:r>
-            <a:endParaRPr lang="en-US" altLang="ko-KR" dirty="0" smtClean="0">
-              <a:solidFill>
-                <a:schemeClr val="tx1"/>
-              </a:solidFill>
-            </a:endParaRPr>
           </a:p>
           <a:p>
             <a:pPr>
@@ -5890,7 +8593,7 @@
     </p:spTree>
     <p:extLst>
       <p:ext uri="{BB962C8B-B14F-4D97-AF65-F5344CB8AC3E}">
-        <p14:creationId xmlns:p14="http://schemas.microsoft.com/office/powerpoint/2010/main" xmlns="" val="3515428851"/>
+        <p14:creationId xmlns="" xmlns:p14="http://schemas.microsoft.com/office/powerpoint/2010/main" val="3515428851"/>
       </p:ext>
     </p:extLst>
   </p:cSld>
@@ -6052,7 +8755,7 @@
           <p:nvPr/>
         </p:nvPicPr>
         <p:blipFill>
-          <a:blip r:embed="rId2"/>
+          <a:blip r:embed="rId2" cstate="print"/>
           <a:srcRect/>
           <a:stretch>
             <a:fillRect/>
@@ -6139,7 +8842,7 @@
           <p:nvPr/>
         </p:nvPicPr>
         <p:blipFill>
-          <a:blip r:embed="rId3"/>
+          <a:blip r:embed="rId3" cstate="print"/>
           <a:srcRect/>
           <a:stretch>
             <a:fillRect/>
@@ -6166,7 +8869,7 @@
     </p:spTree>
     <p:extLst>
       <p:ext uri="{BB962C8B-B14F-4D97-AF65-F5344CB8AC3E}">
-        <p14:creationId xmlns:p14="http://schemas.microsoft.com/office/powerpoint/2010/main" xmlns="" val="3515428851"/>
+        <p14:creationId xmlns="" xmlns:p14="http://schemas.microsoft.com/office/powerpoint/2010/main" val="3515428851"/>
       </p:ext>
     </p:extLst>
   </p:cSld>
@@ -6392,7 +9095,7 @@
         </p:nvSpPr>
         <p:spPr>
           <a:xfrm>
-            <a:off x="1415442" y="2918567"/>
+            <a:off x="1488920" y="3383932"/>
             <a:ext cx="736791" cy="721793"/>
           </a:xfrm>
           <a:prstGeom prst="ellipse">
@@ -6437,7 +9140,7 @@
         </p:nvCxnSpPr>
         <p:spPr>
           <a:xfrm>
-            <a:off x="701458" y="2430051"/>
+            <a:off x="774936" y="2895416"/>
             <a:ext cx="821885" cy="594220"/>
           </a:xfrm>
           <a:prstGeom prst="straightConnector1">
@@ -6473,7 +9176,7 @@
         </p:nvCxnSpPr>
         <p:spPr>
           <a:xfrm rot="16200000" flipH="1">
-            <a:off x="1530746" y="2665474"/>
+            <a:off x="1604224" y="3130839"/>
             <a:ext cx="501043" cy="5141"/>
           </a:xfrm>
           <a:prstGeom prst="straightConnector1">
@@ -6506,7 +9209,7 @@
         </p:nvSpPr>
         <p:spPr>
           <a:xfrm>
-            <a:off x="338202" y="1929010"/>
+            <a:off x="411680" y="2394375"/>
             <a:ext cx="736949" cy="486426"/>
           </a:xfrm>
           <a:prstGeom prst="rect">
@@ -6564,7 +9267,7 @@
         </p:nvSpPr>
         <p:spPr>
           <a:xfrm>
-            <a:off x="1340287" y="1931098"/>
+            <a:off x="1413765" y="2396463"/>
             <a:ext cx="876820" cy="486426"/>
           </a:xfrm>
           <a:prstGeom prst="rect">
@@ -6622,7 +9325,7 @@
         </p:nvSpPr>
         <p:spPr>
           <a:xfrm>
-            <a:off x="1440495" y="3782863"/>
+            <a:off x="1513973" y="4248228"/>
             <a:ext cx="715332" cy="164757"/>
           </a:xfrm>
           <a:prstGeom prst="rect">
@@ -6680,7 +9383,7 @@
         </p:nvSpPr>
         <p:spPr>
           <a:xfrm>
-            <a:off x="3657601" y="1741117"/>
+            <a:off x="3567793" y="1937061"/>
             <a:ext cx="5248405" cy="3144033"/>
           </a:xfrm>
           <a:prstGeom prst="rect">
@@ -6834,11 +9537,6 @@
               </a:rPr>
               <a:t>2/5)</a:t>
             </a:r>
-            <a:endParaRPr lang="en-US" altLang="ko-KR" dirty="0" smtClean="0">
-              <a:solidFill>
-                <a:schemeClr val="tx1"/>
-              </a:solidFill>
-            </a:endParaRPr>
           </a:p>
         </p:txBody>
       </p:sp>
@@ -6850,7 +9548,7 @@
         </p:nvSpPr>
         <p:spPr>
           <a:xfrm>
-            <a:off x="2442576" y="1945711"/>
+            <a:off x="2516054" y="2411076"/>
             <a:ext cx="789140" cy="486426"/>
           </a:xfrm>
           <a:prstGeom prst="rect">
@@ -6908,7 +9606,7 @@
         </p:nvSpPr>
         <p:spPr>
           <a:xfrm>
-            <a:off x="350730" y="3035476"/>
+            <a:off x="424208" y="3500841"/>
             <a:ext cx="751562" cy="486426"/>
           </a:xfrm>
           <a:prstGeom prst="rect">
@@ -6968,7 +9666,7 @@
         </p:nvCxnSpPr>
         <p:spPr>
           <a:xfrm rot="10800000" flipV="1">
-            <a:off x="2044333" y="2432137"/>
+            <a:off x="2117811" y="2897502"/>
             <a:ext cx="776113" cy="592134"/>
           </a:xfrm>
           <a:prstGeom prst="straightConnector1">
@@ -7004,7 +9702,7 @@
         </p:nvCxnSpPr>
         <p:spPr>
           <a:xfrm>
-            <a:off x="1102292" y="3278689"/>
+            <a:off x="1175770" y="3744054"/>
             <a:ext cx="313150" cy="775"/>
           </a:xfrm>
           <a:prstGeom prst="straightConnector1">
@@ -7032,7 +9730,7 @@
     </p:spTree>
     <p:extLst>
       <p:ext uri="{BB962C8B-B14F-4D97-AF65-F5344CB8AC3E}">
-        <p14:creationId xmlns:p14="http://schemas.microsoft.com/office/powerpoint/2010/main" xmlns="" val="3515428851"/>
+        <p14:creationId xmlns="" xmlns:p14="http://schemas.microsoft.com/office/powerpoint/2010/main" val="3515428851"/>
       </p:ext>
     </p:extLst>
   </p:cSld>
@@ -7074,8 +9772,8 @@
         </p:nvSpPr>
         <p:spPr>
           <a:xfrm>
-            <a:off x="1069932" y="688145"/>
-            <a:ext cx="2601994" cy="400110"/>
+            <a:off x="381001" y="249734"/>
+            <a:ext cx="6954148" cy="584775"/>
           </a:xfrm>
           <a:prstGeom prst="rect">
             <a:avLst/>
@@ -7089,14 +9787,22 @@
           <a:lstStyle/>
           <a:p>
             <a:r>
-              <a:rPr lang="ko-KR" altLang="en-US" sz="2000" spc="-150" dirty="0" smtClean="0">
+              <a:rPr lang="en-US" altLang="ko-KR" sz="3200" spc="-150" dirty="0" smtClean="0">
                 <a:solidFill>
                   <a:srgbClr val="525252"/>
                 </a:solidFill>
               </a:rPr>
-              <a:t>픽셀 값을 그냥 뺀 결과</a:t>
-            </a:r>
-            <a:endParaRPr lang="ko-KR" altLang="en-US" sz="2000" spc="-150" dirty="0">
+              <a:t>3. </a:t>
+            </a:r>
+            <a:r>
+              <a:rPr lang="ko-KR" altLang="en-US" sz="3200" spc="-150" dirty="0" smtClean="0">
+                <a:solidFill>
+                  <a:srgbClr val="525252"/>
+                </a:solidFill>
+              </a:rPr>
+              <a:t>한계점을 극복하기 위해 시도한 것들</a:t>
+            </a:r>
+            <a:endParaRPr lang="ko-KR" altLang="en-US" sz="3200" spc="-150" dirty="0">
               <a:solidFill>
                 <a:srgbClr val="525252"/>
               </a:solidFill>
@@ -7155,53 +9861,64 @@
       </p:sp>
       <p:sp>
         <p:nvSpPr>
-          <p:cNvPr id="7" name="TextBox 6"/>
-          <p:cNvSpPr txBox="1"/>
-          <p:nvPr/>
-        </p:nvSpPr>
-        <p:spPr>
-          <a:xfrm>
-            <a:off x="5058272" y="665180"/>
-            <a:ext cx="3472425" cy="400110"/>
+          <p:cNvPr id="8" name="직사각형 7"/>
+          <p:cNvSpPr/>
+          <p:nvPr/>
+        </p:nvSpPr>
+        <p:spPr>
+          <a:xfrm>
+            <a:off x="425883" y="851770"/>
+            <a:ext cx="8542751" cy="488515"/>
           </a:xfrm>
           <a:prstGeom prst="rect">
             <a:avLst/>
           </a:prstGeom>
           <a:noFill/>
-        </p:spPr>
-        <p:txBody>
-          <a:bodyPr wrap="none" rtlCol="0">
-            <a:spAutoFit/>
-          </a:bodyPr>
-          <a:lstStyle/>
-          <a:p>
-            <a:r>
-              <a:rPr lang="ko-KR" altLang="en-US" sz="2000" spc="-150" dirty="0" smtClean="0">
-                <a:solidFill>
-                  <a:srgbClr val="525252"/>
-                </a:solidFill>
-              </a:rPr>
-              <a:t>픽셀 값에 </a:t>
-            </a:r>
-            <a:r>
-              <a:rPr lang="en-US" altLang="ko-KR" sz="2000" spc="-150" dirty="0" smtClean="0">
-                <a:solidFill>
-                  <a:srgbClr val="525252"/>
-                </a:solidFill>
-              </a:rPr>
-              <a:t>2/5</a:t>
-            </a:r>
-            <a:r>
-              <a:rPr lang="ko-KR" altLang="en-US" sz="2000" spc="-150" dirty="0" smtClean="0">
-                <a:solidFill>
-                  <a:srgbClr val="525252"/>
-                </a:solidFill>
-              </a:rPr>
-              <a:t>를 곱하고 뺀 결과</a:t>
-            </a:r>
-            <a:endParaRPr lang="ko-KR" altLang="en-US" sz="2000" spc="-150" dirty="0">
+          <a:ln>
+            <a:solidFill>
+              <a:schemeClr val="bg1"/>
+            </a:solidFill>
+          </a:ln>
+        </p:spPr>
+        <p:style>
+          <a:lnRef idx="2">
+            <a:schemeClr val="accent1">
+              <a:shade val="50000"/>
+            </a:schemeClr>
+          </a:lnRef>
+          <a:fillRef idx="1">
+            <a:schemeClr val="accent1"/>
+          </a:fillRef>
+          <a:effectRef idx="0">
+            <a:schemeClr val="accent1"/>
+          </a:effectRef>
+          <a:fontRef idx="minor">
+            <a:schemeClr val="lt1"/>
+          </a:fontRef>
+        </p:style>
+        <p:txBody>
+          <a:bodyPr rtlCol="0" anchor="ctr"/>
+          <a:lstStyle/>
+          <a:p>
+            <a:r>
+              <a:rPr lang="en-US" altLang="ko-KR" sz="2000" dirty="0" smtClean="0">
+                <a:solidFill>
+                  <a:schemeClr val="tx1"/>
+                </a:solidFill>
+              </a:rPr>
+              <a:t>2-1) </a:t>
+            </a:r>
+            <a:r>
+              <a:rPr lang="ko-KR" altLang="en-US" sz="2000" dirty="0" smtClean="0">
+                <a:solidFill>
+                  <a:schemeClr val="tx1"/>
+                </a:solidFill>
+              </a:rPr>
+              <a:t>에러 값을 모으는 방법코드</a:t>
+            </a:r>
+            <a:endParaRPr lang="ko-KR" altLang="en-US" sz="2000" dirty="0">
               <a:solidFill>
-                <a:srgbClr val="525252"/>
+                <a:schemeClr val="tx1"/>
               </a:solidFill>
             </a:endParaRPr>
           </a:p>
@@ -7209,14 +9926,14 @@
       </p:sp>
       <p:pic>
         <p:nvPicPr>
-          <p:cNvPr id="4100" name="Picture 4"/>
+          <p:cNvPr id="5122" name="Picture 2"/>
           <p:cNvPicPr>
             <a:picLocks noChangeAspect="1" noChangeArrowheads="1"/>
           </p:cNvPicPr>
           <p:nvPr/>
         </p:nvPicPr>
         <p:blipFill>
-          <a:blip r:embed="rId2"/>
+          <a:blip r:embed="rId2" cstate="print"/>
           <a:srcRect/>
           <a:stretch>
             <a:fillRect/>
@@ -7224,8 +9941,8 @@
         </p:blipFill>
         <p:spPr bwMode="auto">
           <a:xfrm>
-            <a:off x="186780" y="1152395"/>
-            <a:ext cx="4358093" cy="4781981"/>
+            <a:off x="874032" y="1409019"/>
+            <a:ext cx="7380060" cy="5063474"/>
           </a:xfrm>
           <a:prstGeom prst="rect">
             <a:avLst/>
@@ -7240,43 +9957,10 @@
           <a:effectLst/>
         </p:spPr>
       </p:pic>
-      <p:pic>
-        <p:nvPicPr>
-          <p:cNvPr id="4101" name="Picture 5"/>
-          <p:cNvPicPr>
-            <a:picLocks noChangeAspect="1" noChangeArrowheads="1"/>
-          </p:cNvPicPr>
-          <p:nvPr/>
-        </p:nvPicPr>
-        <p:blipFill>
-          <a:blip r:embed="rId3"/>
-          <a:srcRect/>
-          <a:stretch>
-            <a:fillRect/>
-          </a:stretch>
-        </p:blipFill>
-        <p:spPr bwMode="auto">
-          <a:xfrm>
-            <a:off x="4604009" y="1164920"/>
-            <a:ext cx="4389679" cy="4777717"/>
-          </a:xfrm>
-          <a:prstGeom prst="rect">
-            <a:avLst/>
-          </a:prstGeom>
-          <a:noFill/>
-          <a:ln w="9525">
-            <a:noFill/>
-            <a:miter lim="800000"/>
-            <a:headEnd/>
-            <a:tailEnd/>
-          </a:ln>
-          <a:effectLst/>
-        </p:spPr>
-      </p:pic>
     </p:spTree>
     <p:extLst>
       <p:ext uri="{BB962C8B-B14F-4D97-AF65-F5344CB8AC3E}">
-        <p14:creationId xmlns:p14="http://schemas.microsoft.com/office/powerpoint/2010/main" xmlns="" val="3515428851"/>
+        <p14:creationId xmlns="" xmlns:p14="http://schemas.microsoft.com/office/powerpoint/2010/main" val="3515428851"/>
       </p:ext>
     </p:extLst>
   </p:cSld>
@@ -7318,8 +10002,8 @@
         </p:nvSpPr>
         <p:spPr>
           <a:xfrm>
-            <a:off x="381001" y="249734"/>
-            <a:ext cx="6954148" cy="584775"/>
+            <a:off x="1069932" y="688145"/>
+            <a:ext cx="2601994" cy="400110"/>
           </a:xfrm>
           <a:prstGeom prst="rect">
             <a:avLst/>
@@ -7333,22 +10017,14 @@
           <a:lstStyle/>
           <a:p>
             <a:r>
-              <a:rPr lang="en-US" altLang="ko-KR" sz="3200" spc="-150" dirty="0" smtClean="0">
+              <a:rPr lang="ko-KR" altLang="en-US" sz="2000" spc="-150" dirty="0" smtClean="0">
                 <a:solidFill>
                   <a:srgbClr val="525252"/>
                 </a:solidFill>
               </a:rPr>
-              <a:t>3. </a:t>
-            </a:r>
-            <a:r>
-              <a:rPr lang="ko-KR" altLang="en-US" sz="3200" spc="-150" dirty="0" smtClean="0">
-                <a:solidFill>
-                  <a:srgbClr val="525252"/>
-                </a:solidFill>
-              </a:rPr>
-              <a:t>한계점을 극복하기 위해 시도한 것들</a:t>
-            </a:r>
-            <a:endParaRPr lang="ko-KR" altLang="en-US" sz="3200" spc="-150" dirty="0">
+              <a:t>픽셀 값을 그냥 뺀 결과</a:t>
+            </a:r>
+            <a:endParaRPr lang="ko-KR" altLang="en-US" sz="2000" spc="-150" dirty="0">
               <a:solidFill>
                 <a:srgbClr val="525252"/>
               </a:solidFill>
@@ -7407,358 +10083,128 @@
       </p:sp>
       <p:sp>
         <p:nvSpPr>
-          <p:cNvPr id="8" name="직사각형 7"/>
-          <p:cNvSpPr/>
-          <p:nvPr/>
-        </p:nvSpPr>
-        <p:spPr>
-          <a:xfrm>
-            <a:off x="425883" y="851770"/>
-            <a:ext cx="8542751" cy="488515"/>
+          <p:cNvPr id="7" name="TextBox 6"/>
+          <p:cNvSpPr txBox="1"/>
+          <p:nvPr/>
+        </p:nvSpPr>
+        <p:spPr>
+          <a:xfrm>
+            <a:off x="5058272" y="665180"/>
+            <a:ext cx="3472425" cy="400110"/>
           </a:xfrm>
           <a:prstGeom prst="rect">
             <a:avLst/>
           </a:prstGeom>
           <a:noFill/>
-          <a:ln>
-            <a:solidFill>
-              <a:schemeClr val="bg1"/>
-            </a:solidFill>
-          </a:ln>
-        </p:spPr>
-        <p:style>
-          <a:lnRef idx="2">
-            <a:schemeClr val="accent1">
-              <a:shade val="50000"/>
-            </a:schemeClr>
-          </a:lnRef>
-          <a:fillRef idx="1">
-            <a:schemeClr val="accent1"/>
-          </a:fillRef>
-          <a:effectRef idx="0">
-            <a:schemeClr val="accent1"/>
-          </a:effectRef>
-          <a:fontRef idx="minor">
-            <a:schemeClr val="lt1"/>
-          </a:fontRef>
-        </p:style>
-        <p:txBody>
-          <a:bodyPr rtlCol="0" anchor="ctr"/>
-          <a:lstStyle/>
-          <a:p>
-            <a:r>
-              <a:rPr lang="en-US" altLang="ko-KR" sz="2000" dirty="0" smtClean="0">
-                <a:solidFill>
-                  <a:schemeClr val="tx1"/>
-                </a:solidFill>
-              </a:rPr>
-              <a:t>3) DBS (Direct Binary Search)</a:t>
-            </a:r>
-            <a:endParaRPr lang="ko-KR" altLang="en-US" sz="2000" dirty="0">
+        </p:spPr>
+        <p:txBody>
+          <a:bodyPr wrap="none" rtlCol="0">
+            <a:spAutoFit/>
+          </a:bodyPr>
+          <a:lstStyle/>
+          <a:p>
+            <a:r>
+              <a:rPr lang="ko-KR" altLang="en-US" sz="2000" spc="-150" dirty="0" smtClean="0">
+                <a:solidFill>
+                  <a:srgbClr val="525252"/>
+                </a:solidFill>
+              </a:rPr>
+              <a:t>픽셀 값에 </a:t>
+            </a:r>
+            <a:r>
+              <a:rPr lang="en-US" altLang="ko-KR" sz="2000" spc="-150" dirty="0" smtClean="0">
+                <a:solidFill>
+                  <a:srgbClr val="525252"/>
+                </a:solidFill>
+              </a:rPr>
+              <a:t>2/5</a:t>
+            </a:r>
+            <a:r>
+              <a:rPr lang="ko-KR" altLang="en-US" sz="2000" spc="-150" dirty="0" smtClean="0">
+                <a:solidFill>
+                  <a:srgbClr val="525252"/>
+                </a:solidFill>
+              </a:rPr>
+              <a:t>를 곱하고 뺀 결과</a:t>
+            </a:r>
+            <a:endParaRPr lang="ko-KR" altLang="en-US" sz="2000" spc="-150" dirty="0">
               <a:solidFill>
-                <a:schemeClr val="tx1"/>
+                <a:srgbClr val="525252"/>
               </a:solidFill>
             </a:endParaRPr>
           </a:p>
         </p:txBody>
       </p:sp>
-      <p:sp>
-        <p:nvSpPr>
-          <p:cNvPr id="39" name="직사각형 38"/>
-          <p:cNvSpPr/>
-          <p:nvPr/>
-        </p:nvSpPr>
-        <p:spPr>
-          <a:xfrm>
-            <a:off x="551146" y="1515648"/>
-            <a:ext cx="7903922" cy="4058434"/>
+      <p:pic>
+        <p:nvPicPr>
+          <p:cNvPr id="4100" name="Picture 4"/>
+          <p:cNvPicPr>
+            <a:picLocks noChangeAspect="1" noChangeArrowheads="1"/>
+          </p:cNvPicPr>
+          <p:nvPr/>
+        </p:nvPicPr>
+        <p:blipFill>
+          <a:blip r:embed="rId2" cstate="print"/>
+          <a:srcRect/>
+          <a:stretch>
+            <a:fillRect/>
+          </a:stretch>
+        </p:blipFill>
+        <p:spPr bwMode="auto">
+          <a:xfrm>
+            <a:off x="186780" y="1152395"/>
+            <a:ext cx="4358093" cy="4781981"/>
           </a:xfrm>
           <a:prstGeom prst="rect">
             <a:avLst/>
           </a:prstGeom>
           <a:noFill/>
-          <a:ln>
+          <a:ln w="9525">
             <a:noFill/>
+            <a:miter lim="800000"/>
+            <a:headEnd/>
+            <a:tailEnd/>
           </a:ln>
-        </p:spPr>
-        <p:style>
-          <a:lnRef idx="2">
-            <a:schemeClr val="accent1">
-              <a:shade val="50000"/>
-            </a:schemeClr>
-          </a:lnRef>
-          <a:fillRef idx="1">
-            <a:schemeClr val="accent1"/>
-          </a:fillRef>
-          <a:effectRef idx="0">
-            <a:schemeClr val="accent1"/>
-          </a:effectRef>
-          <a:fontRef idx="minor">
-            <a:schemeClr val="lt1"/>
-          </a:fontRef>
-        </p:style>
-        <p:txBody>
-          <a:bodyPr rtlCol="0" anchor="ctr"/>
-          <a:lstStyle/>
-          <a:p>
-            <a:r>
-              <a:rPr lang="ko-KR" altLang="en-US" b="1" dirty="0" smtClean="0">
-                <a:solidFill>
-                  <a:schemeClr val="tx1"/>
-                </a:solidFill>
-              </a:rPr>
-              <a:t>결과</a:t>
-            </a:r>
-            <a:endParaRPr lang="en-US" altLang="ko-KR" b="1" dirty="0" smtClean="0">
-              <a:solidFill>
-                <a:schemeClr val="tx1"/>
-              </a:solidFill>
-            </a:endParaRPr>
-          </a:p>
-          <a:p>
-            <a:endParaRPr lang="en-US" altLang="ko-KR" dirty="0" smtClean="0">
-              <a:solidFill>
-                <a:schemeClr val="tx1"/>
-              </a:solidFill>
-            </a:endParaRPr>
-          </a:p>
-          <a:p>
-            <a:pPr>
-              <a:buFontTx/>
-              <a:buChar char="-"/>
-            </a:pPr>
-            <a:r>
-              <a:rPr lang="en-US" altLang="ko-KR" dirty="0" smtClean="0">
-                <a:solidFill>
-                  <a:schemeClr val="tx1"/>
-                </a:solidFill>
-              </a:rPr>
-              <a:t> </a:t>
-            </a:r>
-            <a:r>
-              <a:rPr lang="ko-KR" altLang="en-US" dirty="0" smtClean="0">
-                <a:solidFill>
-                  <a:schemeClr val="tx1"/>
-                </a:solidFill>
-              </a:rPr>
-              <a:t>품질적으로 매우 향상된 결과가 나왔으며 기존 한계점이 해결되었음</a:t>
-            </a:r>
-            <a:r>
-              <a:rPr lang="en-US" altLang="ko-KR" dirty="0" smtClean="0">
-                <a:solidFill>
-                  <a:schemeClr val="tx1"/>
-                </a:solidFill>
-              </a:rPr>
-              <a:t>. </a:t>
-            </a:r>
-            <a:r>
-              <a:rPr lang="ko-KR" altLang="en-US" dirty="0" smtClean="0">
-                <a:solidFill>
-                  <a:schemeClr val="tx1"/>
-                </a:solidFill>
-              </a:rPr>
-              <a:t>단</a:t>
-            </a:r>
-            <a:r>
-              <a:rPr lang="en-US" altLang="ko-KR" dirty="0" smtClean="0">
-                <a:solidFill>
-                  <a:schemeClr val="tx1"/>
-                </a:solidFill>
-              </a:rPr>
-              <a:t>, </a:t>
-            </a:r>
-            <a:r>
-              <a:rPr lang="ko-KR" altLang="en-US" dirty="0" smtClean="0">
-                <a:solidFill>
-                  <a:schemeClr val="tx1"/>
-                </a:solidFill>
-              </a:rPr>
-              <a:t>약간의 경계선에서 번짐 효과가 있음 </a:t>
-            </a:r>
-            <a:r>
-              <a:rPr lang="en-US" altLang="ko-KR" dirty="0" smtClean="0">
-                <a:solidFill>
-                  <a:schemeClr val="tx1"/>
-                </a:solidFill>
-              </a:rPr>
-              <a:t>(</a:t>
-            </a:r>
-            <a:r>
-              <a:rPr lang="ko-KR" altLang="en-US" dirty="0" smtClean="0">
-                <a:solidFill>
-                  <a:schemeClr val="tx1"/>
-                </a:solidFill>
-              </a:rPr>
-              <a:t>가우스 필터의 영향</a:t>
-            </a:r>
-            <a:r>
-              <a:rPr lang="en-US" altLang="ko-KR" dirty="0" smtClean="0">
-                <a:solidFill>
-                  <a:schemeClr val="tx1"/>
-                </a:solidFill>
-              </a:rPr>
-              <a:t>)</a:t>
-            </a:r>
-          </a:p>
-          <a:p>
-            <a:pPr>
-              <a:buFontTx/>
-              <a:buChar char="-"/>
-            </a:pPr>
-            <a:endParaRPr lang="en-US" altLang="ko-KR" dirty="0" smtClean="0">
-              <a:solidFill>
-                <a:schemeClr val="tx1"/>
-              </a:solidFill>
-            </a:endParaRPr>
-          </a:p>
-          <a:p>
-            <a:r>
-              <a:rPr lang="ko-KR" altLang="en-US" b="1" dirty="0" smtClean="0">
-                <a:solidFill>
-                  <a:schemeClr val="tx1"/>
-                </a:solidFill>
-              </a:rPr>
-              <a:t>한계</a:t>
-            </a:r>
-            <a:r>
-              <a:rPr lang="ko-KR" altLang="en-US" b="1" dirty="0" smtClean="0">
-                <a:solidFill>
-                  <a:schemeClr val="tx1"/>
-                </a:solidFill>
-              </a:rPr>
-              <a:t>점</a:t>
-            </a:r>
-            <a:endParaRPr lang="en-US" altLang="ko-KR" b="1" dirty="0" smtClean="0">
-              <a:solidFill>
-                <a:schemeClr val="tx1"/>
-              </a:solidFill>
-            </a:endParaRPr>
-          </a:p>
-          <a:p>
-            <a:pPr>
-              <a:buFontTx/>
-              <a:buChar char="-"/>
-            </a:pPr>
-            <a:endParaRPr lang="en-US" altLang="ko-KR" dirty="0" smtClean="0">
-              <a:solidFill>
-                <a:schemeClr val="tx1"/>
-              </a:solidFill>
-            </a:endParaRPr>
-          </a:p>
-          <a:p>
-            <a:pPr>
-              <a:buFontTx/>
-              <a:buChar char="-"/>
-            </a:pPr>
-            <a:r>
-              <a:rPr lang="en-US" altLang="ko-KR" dirty="0" smtClean="0">
-                <a:solidFill>
-                  <a:schemeClr val="tx1"/>
-                </a:solidFill>
-              </a:rPr>
-              <a:t> </a:t>
-            </a:r>
-            <a:r>
-              <a:rPr lang="ko-KR" altLang="en-US" dirty="0" smtClean="0">
-                <a:solidFill>
-                  <a:schemeClr val="tx1"/>
-                </a:solidFill>
-              </a:rPr>
-              <a:t>연산 시간이 상당히 많이 걸리고 현재로써는 실시간 온라인 시스템으로는 사용하기가 어려움</a:t>
-            </a:r>
-            <a:r>
-              <a:rPr lang="en-US" altLang="ko-KR" dirty="0" smtClean="0">
-                <a:solidFill>
-                  <a:schemeClr val="tx1"/>
-                </a:solidFill>
-              </a:rPr>
-              <a:t>.</a:t>
-            </a:r>
-            <a:endParaRPr lang="en-US" altLang="ko-KR" dirty="0" smtClean="0">
-              <a:solidFill>
-                <a:schemeClr val="tx1"/>
-              </a:solidFill>
-            </a:endParaRPr>
-          </a:p>
-          <a:p>
-            <a:pPr>
-              <a:buFontTx/>
-              <a:buChar char="-"/>
-            </a:pPr>
-            <a:endParaRPr lang="en-US" altLang="ko-KR" dirty="0" smtClean="0">
-              <a:solidFill>
-                <a:schemeClr val="tx1"/>
-              </a:solidFill>
-            </a:endParaRPr>
-          </a:p>
-          <a:p>
-            <a:pPr>
-              <a:buFontTx/>
-              <a:buChar char="-"/>
-            </a:pPr>
-            <a:r>
-              <a:rPr lang="en-US" altLang="ko-KR" dirty="0" smtClean="0">
-                <a:solidFill>
-                  <a:schemeClr val="tx1"/>
-                </a:solidFill>
-              </a:rPr>
-              <a:t> </a:t>
-            </a:r>
-            <a:r>
-              <a:rPr lang="ko-KR" altLang="en-US" dirty="0" smtClean="0">
-                <a:solidFill>
-                  <a:schemeClr val="tx1"/>
-                </a:solidFill>
-              </a:rPr>
-              <a:t>픽셀의 농도가 </a:t>
-            </a:r>
-            <a:r>
-              <a:rPr lang="en-US" altLang="ko-KR" dirty="0" smtClean="0">
-                <a:solidFill>
-                  <a:schemeClr val="tx1"/>
-                </a:solidFill>
-              </a:rPr>
-              <a:t>99% 98% 2% 1% </a:t>
-            </a:r>
-            <a:r>
-              <a:rPr lang="ko-KR" altLang="en-US" dirty="0" smtClean="0">
-                <a:solidFill>
-                  <a:schemeClr val="tx1"/>
-                </a:solidFill>
-              </a:rPr>
-              <a:t>에서 픽셀들이 유실되는 </a:t>
-            </a:r>
-            <a:r>
-              <a:rPr lang="en-US" altLang="ko-KR" dirty="0" smtClean="0">
-                <a:solidFill>
-                  <a:schemeClr val="tx1"/>
-                </a:solidFill>
-              </a:rPr>
-              <a:t>Clipping </a:t>
-            </a:r>
-            <a:r>
-              <a:rPr lang="ko-KR" altLang="en-US" dirty="0" smtClean="0">
-                <a:solidFill>
-                  <a:schemeClr val="tx1"/>
-                </a:solidFill>
-              </a:rPr>
-              <a:t>현상이 발생함</a:t>
-            </a:r>
-            <a:r>
-              <a:rPr lang="en-US" altLang="ko-KR" dirty="0" smtClean="0">
-                <a:solidFill>
-                  <a:schemeClr val="tx1"/>
-                </a:solidFill>
-              </a:rPr>
-              <a:t>.</a:t>
-            </a:r>
-          </a:p>
-        </p:txBody>
-      </p:sp>
+          <a:effectLst/>
+        </p:spPr>
+      </p:pic>
+      <p:pic>
+        <p:nvPicPr>
+          <p:cNvPr id="4101" name="Picture 5"/>
+          <p:cNvPicPr>
+            <a:picLocks noChangeAspect="1" noChangeArrowheads="1"/>
+          </p:cNvPicPr>
+          <p:nvPr/>
+        </p:nvPicPr>
+        <p:blipFill>
+          <a:blip r:embed="rId3" cstate="print"/>
+          <a:srcRect/>
+          <a:stretch>
+            <a:fillRect/>
+          </a:stretch>
+        </p:blipFill>
+        <p:spPr bwMode="auto">
+          <a:xfrm>
+            <a:off x="4604009" y="1164920"/>
+            <a:ext cx="4389679" cy="4777717"/>
+          </a:xfrm>
+          <a:prstGeom prst="rect">
+            <a:avLst/>
+          </a:prstGeom>
+          <a:noFill/>
+          <a:ln w="9525">
+            <a:noFill/>
+            <a:miter lim="800000"/>
+            <a:headEnd/>
+            <a:tailEnd/>
+          </a:ln>
+          <a:effectLst/>
+        </p:spPr>
+      </p:pic>
     </p:spTree>
     <p:extLst>
       <p:ext uri="{BB962C8B-B14F-4D97-AF65-F5344CB8AC3E}">
-        <p14:creationId xmlns:p14="http://schemas.microsoft.com/office/powerpoint/2010/main" xmlns="" val="3515428851"/>
+        <p14:creationId xmlns="" xmlns:p14="http://schemas.microsoft.com/office/powerpoint/2010/main" val="3515428851"/>
       </p:ext>
     </p:extLst>
   </p:cSld>
@@ -7800,8 +10246,8 @@
         </p:nvSpPr>
         <p:spPr>
           <a:xfrm>
-            <a:off x="6067817" y="750776"/>
-            <a:ext cx="2254143" cy="400110"/>
+            <a:off x="381001" y="249734"/>
+            <a:ext cx="6954148" cy="584775"/>
           </a:xfrm>
           <a:prstGeom prst="rect">
             <a:avLst/>
@@ -7815,22 +10261,22 @@
           <a:lstStyle/>
           <a:p>
             <a:r>
-              <a:rPr lang="en-US" altLang="ko-KR" sz="2000" spc="-150" dirty="0" smtClean="0">
+              <a:rPr lang="en-US" altLang="ko-KR" sz="3200" spc="-150" dirty="0" smtClean="0">
                 <a:solidFill>
                   <a:srgbClr val="525252"/>
                 </a:solidFill>
               </a:rPr>
-              <a:t>Floyd Steinberg </a:t>
-            </a:r>
-            <a:r>
-              <a:rPr lang="ko-KR" altLang="en-US" sz="2000" spc="-150" dirty="0" smtClean="0">
+              <a:t>3. </a:t>
+            </a:r>
+            <a:r>
+              <a:rPr lang="ko-KR" altLang="en-US" sz="3200" spc="-150" dirty="0" smtClean="0">
                 <a:solidFill>
                   <a:srgbClr val="525252"/>
                 </a:solidFill>
               </a:rPr>
-              <a:t>결과</a:t>
-            </a:r>
-            <a:endParaRPr lang="en-US" altLang="ko-KR" sz="2000" spc="-150" dirty="0" smtClean="0">
+              <a:t>한계점을 극복하기 위해 시도한 것들</a:t>
+            </a:r>
+            <a:endParaRPr lang="ko-KR" altLang="en-US" sz="3200" spc="-150" dirty="0">
               <a:solidFill>
                 <a:srgbClr val="525252"/>
               </a:solidFill>
@@ -7889,120 +10335,345 @@
       </p:sp>
       <p:sp>
         <p:nvSpPr>
-          <p:cNvPr id="8" name="TextBox 7"/>
-          <p:cNvSpPr txBox="1"/>
-          <p:nvPr/>
-        </p:nvSpPr>
-        <p:spPr>
-          <a:xfrm>
-            <a:off x="1836108" y="727812"/>
-            <a:ext cx="1144865" cy="400110"/>
+          <p:cNvPr id="8" name="직사각형 7"/>
+          <p:cNvSpPr/>
+          <p:nvPr/>
+        </p:nvSpPr>
+        <p:spPr>
+          <a:xfrm>
+            <a:off x="425883" y="851770"/>
+            <a:ext cx="8542751" cy="488515"/>
           </a:xfrm>
           <a:prstGeom prst="rect">
             <a:avLst/>
           </a:prstGeom>
           <a:noFill/>
-        </p:spPr>
-        <p:txBody>
-          <a:bodyPr wrap="none" rtlCol="0">
-            <a:spAutoFit/>
-          </a:bodyPr>
-          <a:lstStyle/>
-          <a:p>
-            <a:r>
-              <a:rPr lang="en-US" altLang="ko-KR" sz="2000" spc="-150" dirty="0" smtClean="0">
-                <a:solidFill>
-                  <a:srgbClr val="525252"/>
-                </a:solidFill>
-              </a:rPr>
-              <a:t>DBS</a:t>
-            </a:r>
-            <a:r>
-              <a:rPr lang="ko-KR" altLang="en-US" sz="2000" spc="-150" dirty="0" smtClean="0">
-                <a:solidFill>
-                  <a:srgbClr val="525252"/>
-                </a:solidFill>
-              </a:rPr>
-              <a:t> 결과</a:t>
-            </a:r>
-            <a:endParaRPr lang="ko-KR" altLang="en-US" sz="2000" spc="-150" dirty="0">
+          <a:ln>
+            <a:solidFill>
+              <a:schemeClr val="bg1"/>
+            </a:solidFill>
+          </a:ln>
+        </p:spPr>
+        <p:style>
+          <a:lnRef idx="2">
+            <a:schemeClr val="accent1">
+              <a:shade val="50000"/>
+            </a:schemeClr>
+          </a:lnRef>
+          <a:fillRef idx="1">
+            <a:schemeClr val="accent1"/>
+          </a:fillRef>
+          <a:effectRef idx="0">
+            <a:schemeClr val="accent1"/>
+          </a:effectRef>
+          <a:fontRef idx="minor">
+            <a:schemeClr val="lt1"/>
+          </a:fontRef>
+        </p:style>
+        <p:txBody>
+          <a:bodyPr rtlCol="0" anchor="ctr"/>
+          <a:lstStyle/>
+          <a:p>
+            <a:r>
+              <a:rPr lang="en-US" altLang="ko-KR" sz="2000" dirty="0" smtClean="0">
+                <a:solidFill>
+                  <a:schemeClr val="tx1"/>
+                </a:solidFill>
+              </a:rPr>
+              <a:t>3) DBS (Direct Binary Search)</a:t>
+            </a:r>
+            <a:endParaRPr lang="ko-KR" altLang="en-US" sz="2000" dirty="0">
               <a:solidFill>
-                <a:srgbClr val="525252"/>
+                <a:schemeClr val="tx1"/>
               </a:solidFill>
             </a:endParaRPr>
           </a:p>
         </p:txBody>
       </p:sp>
-      <p:pic>
-        <p:nvPicPr>
-          <p:cNvPr id="10" name="Picture 3"/>
-          <p:cNvPicPr>
-            <a:picLocks noChangeAspect="1" noChangeArrowheads="1"/>
-          </p:cNvPicPr>
-          <p:nvPr/>
-        </p:nvPicPr>
-        <p:blipFill>
-          <a:blip r:embed="rId2"/>
-          <a:srcRect/>
-          <a:stretch>
-            <a:fillRect/>
-          </a:stretch>
-        </p:blipFill>
-        <p:spPr bwMode="auto">
-          <a:xfrm>
-            <a:off x="4647156" y="1139868"/>
-            <a:ext cx="4320762" cy="5104356"/>
+      <p:sp>
+        <p:nvSpPr>
+          <p:cNvPr id="39" name="직사각형 38"/>
+          <p:cNvSpPr/>
+          <p:nvPr/>
+        </p:nvSpPr>
+        <p:spPr>
+          <a:xfrm>
+            <a:off x="551146" y="1515648"/>
+            <a:ext cx="7903922" cy="4058434"/>
           </a:xfrm>
           <a:prstGeom prst="rect">
             <a:avLst/>
           </a:prstGeom>
           <a:noFill/>
-          <a:ln w="9525">
+          <a:ln>
             <a:noFill/>
-            <a:miter lim="800000"/>
-            <a:headEnd/>
-            <a:tailEnd/>
           </a:ln>
-          <a:effectLst/>
-        </p:spPr>
-      </p:pic>
-      <p:pic>
-        <p:nvPicPr>
-          <p:cNvPr id="5124" name="Picture 4"/>
-          <p:cNvPicPr>
-            <a:picLocks noChangeAspect="1" noChangeArrowheads="1"/>
-          </p:cNvPicPr>
-          <p:nvPr/>
-        </p:nvPicPr>
-        <p:blipFill>
-          <a:blip r:embed="rId3"/>
-          <a:srcRect/>
-          <a:stretch>
-            <a:fillRect/>
-          </a:stretch>
-        </p:blipFill>
-        <p:spPr bwMode="auto">
-          <a:xfrm>
-            <a:off x="288099" y="1152394"/>
-            <a:ext cx="4325565" cy="5018285"/>
-          </a:xfrm>
-          <a:prstGeom prst="rect">
-            <a:avLst/>
-          </a:prstGeom>
-          <a:noFill/>
-          <a:ln w="9525">
-            <a:noFill/>
-            <a:miter lim="800000"/>
-            <a:headEnd/>
-            <a:tailEnd/>
-          </a:ln>
-          <a:effectLst/>
-        </p:spPr>
-      </p:pic>
+        </p:spPr>
+        <p:style>
+          <a:lnRef idx="2">
+            <a:schemeClr val="accent1">
+              <a:shade val="50000"/>
+            </a:schemeClr>
+          </a:lnRef>
+          <a:fillRef idx="1">
+            <a:schemeClr val="accent1"/>
+          </a:fillRef>
+          <a:effectRef idx="0">
+            <a:schemeClr val="accent1"/>
+          </a:effectRef>
+          <a:fontRef idx="minor">
+            <a:schemeClr val="lt1"/>
+          </a:fontRef>
+        </p:style>
+        <p:txBody>
+          <a:bodyPr rtlCol="0" anchor="ctr"/>
+          <a:lstStyle/>
+          <a:p>
+            <a:r>
+              <a:rPr lang="ko-KR" altLang="en-US" b="1" dirty="0" smtClean="0">
+                <a:solidFill>
+                  <a:schemeClr val="tx1"/>
+                </a:solidFill>
+              </a:rPr>
+              <a:t>결과</a:t>
+            </a:r>
+            <a:endParaRPr lang="en-US" altLang="ko-KR" b="1" dirty="0" smtClean="0">
+              <a:solidFill>
+                <a:schemeClr val="tx1"/>
+              </a:solidFill>
+            </a:endParaRPr>
+          </a:p>
+          <a:p>
+            <a:endParaRPr lang="en-US" altLang="ko-KR" dirty="0" smtClean="0">
+              <a:solidFill>
+                <a:schemeClr val="tx1"/>
+              </a:solidFill>
+            </a:endParaRPr>
+          </a:p>
+          <a:p>
+            <a:pPr>
+              <a:buFontTx/>
+              <a:buChar char="-"/>
+            </a:pPr>
+            <a:r>
+              <a:rPr lang="en-US" altLang="ko-KR" dirty="0" smtClean="0">
+                <a:solidFill>
+                  <a:schemeClr val="tx1"/>
+                </a:solidFill>
+              </a:rPr>
+              <a:t> </a:t>
+            </a:r>
+            <a:r>
+              <a:rPr lang="ko-KR" altLang="en-US" dirty="0" smtClean="0">
+                <a:solidFill>
+                  <a:schemeClr val="tx1"/>
+                </a:solidFill>
+              </a:rPr>
+              <a:t>품질적으로 매우 향상된 결과가 나왔으며 기존 한계점이 해결되었음</a:t>
+            </a:r>
+            <a:r>
+              <a:rPr lang="en-US" altLang="ko-KR" dirty="0" smtClean="0">
+                <a:solidFill>
+                  <a:schemeClr val="tx1"/>
+                </a:solidFill>
+              </a:rPr>
+              <a:t>. </a:t>
+            </a:r>
+            <a:r>
+              <a:rPr lang="ko-KR" altLang="en-US" dirty="0" smtClean="0">
+                <a:solidFill>
+                  <a:schemeClr val="tx1"/>
+                </a:solidFill>
+              </a:rPr>
+              <a:t>단</a:t>
+            </a:r>
+            <a:r>
+              <a:rPr lang="en-US" altLang="ko-KR" dirty="0" smtClean="0">
+                <a:solidFill>
+                  <a:schemeClr val="tx1"/>
+                </a:solidFill>
+              </a:rPr>
+              <a:t>, </a:t>
+            </a:r>
+            <a:r>
+              <a:rPr lang="ko-KR" altLang="en-US" dirty="0" smtClean="0">
+                <a:solidFill>
+                  <a:schemeClr val="tx1"/>
+                </a:solidFill>
+              </a:rPr>
+              <a:t>약간의 경계선에서 번짐 효과가 있음 </a:t>
+            </a:r>
+            <a:r>
+              <a:rPr lang="en-US" altLang="ko-KR" dirty="0" smtClean="0">
+                <a:solidFill>
+                  <a:schemeClr val="tx1"/>
+                </a:solidFill>
+              </a:rPr>
+              <a:t>(</a:t>
+            </a:r>
+            <a:r>
+              <a:rPr lang="ko-KR" altLang="en-US" dirty="0" smtClean="0">
+                <a:solidFill>
+                  <a:schemeClr val="tx1"/>
+                </a:solidFill>
+              </a:rPr>
+              <a:t>가우스 필터의 영향</a:t>
+            </a:r>
+            <a:r>
+              <a:rPr lang="en-US" altLang="ko-KR" dirty="0" smtClean="0">
+                <a:solidFill>
+                  <a:schemeClr val="tx1"/>
+                </a:solidFill>
+              </a:rPr>
+              <a:t>)</a:t>
+            </a:r>
+          </a:p>
+          <a:p>
+            <a:pPr>
+              <a:buFontTx/>
+              <a:buChar char="-"/>
+            </a:pPr>
+            <a:endParaRPr lang="en-US" altLang="ko-KR" dirty="0" smtClean="0">
+              <a:solidFill>
+                <a:schemeClr val="tx1"/>
+              </a:solidFill>
+            </a:endParaRPr>
+          </a:p>
+          <a:p>
+            <a:r>
+              <a:rPr lang="ko-KR" altLang="en-US" b="1" dirty="0" smtClean="0">
+                <a:solidFill>
+                  <a:schemeClr val="tx1"/>
+                </a:solidFill>
+              </a:rPr>
+              <a:t>한계점</a:t>
+            </a:r>
+            <a:endParaRPr lang="en-US" altLang="ko-KR" b="1" dirty="0" smtClean="0">
+              <a:solidFill>
+                <a:schemeClr val="tx1"/>
+              </a:solidFill>
+            </a:endParaRPr>
+          </a:p>
+          <a:p>
+            <a:pPr>
+              <a:buFontTx/>
+              <a:buChar char="-"/>
+            </a:pPr>
+            <a:endParaRPr lang="en-US" altLang="ko-KR" dirty="0" smtClean="0">
+              <a:solidFill>
+                <a:schemeClr val="tx1"/>
+              </a:solidFill>
+            </a:endParaRPr>
+          </a:p>
+          <a:p>
+            <a:pPr>
+              <a:buFontTx/>
+              <a:buChar char="-"/>
+            </a:pPr>
+            <a:r>
+              <a:rPr lang="en-US" altLang="ko-KR" dirty="0" smtClean="0">
+                <a:solidFill>
+                  <a:schemeClr val="tx1"/>
+                </a:solidFill>
+              </a:rPr>
+              <a:t> </a:t>
+            </a:r>
+            <a:r>
+              <a:rPr lang="ko-KR" altLang="en-US" dirty="0" smtClean="0">
+                <a:solidFill>
+                  <a:schemeClr val="tx1"/>
+                </a:solidFill>
+              </a:rPr>
+              <a:t>연산 시간이 상당히 많이 걸리고 현재로써는 실시간 온라인 시스템으로는 사용하기가 어려움</a:t>
+            </a:r>
+            <a:r>
+              <a:rPr lang="en-US" altLang="ko-KR" dirty="0" smtClean="0">
+                <a:solidFill>
+                  <a:schemeClr val="tx1"/>
+                </a:solidFill>
+              </a:rPr>
+              <a:t>.</a:t>
+            </a:r>
+          </a:p>
+          <a:p>
+            <a:pPr>
+              <a:buFontTx/>
+              <a:buChar char="-"/>
+            </a:pPr>
+            <a:endParaRPr lang="en-US" altLang="ko-KR" dirty="0" smtClean="0">
+              <a:solidFill>
+                <a:schemeClr val="tx1"/>
+              </a:solidFill>
+            </a:endParaRPr>
+          </a:p>
+          <a:p>
+            <a:pPr>
+              <a:buFontTx/>
+              <a:buChar char="-"/>
+            </a:pPr>
+            <a:r>
+              <a:rPr lang="en-US" altLang="ko-KR" dirty="0" smtClean="0">
+                <a:solidFill>
+                  <a:schemeClr val="tx1"/>
+                </a:solidFill>
+              </a:rPr>
+              <a:t> </a:t>
+            </a:r>
+            <a:r>
+              <a:rPr lang="ko-KR" altLang="en-US" dirty="0" smtClean="0">
+                <a:solidFill>
+                  <a:schemeClr val="tx1"/>
+                </a:solidFill>
+              </a:rPr>
+              <a:t>픽셀의 농도가 </a:t>
+            </a:r>
+            <a:r>
+              <a:rPr lang="en-US" altLang="ko-KR" dirty="0" smtClean="0">
+                <a:solidFill>
+                  <a:schemeClr val="tx1"/>
+                </a:solidFill>
+              </a:rPr>
+              <a:t>99% 98% 2% 1% </a:t>
+            </a:r>
+            <a:r>
+              <a:rPr lang="ko-KR" altLang="en-US" dirty="0" smtClean="0">
+                <a:solidFill>
+                  <a:schemeClr val="tx1"/>
+                </a:solidFill>
+              </a:rPr>
+              <a:t>에서 픽셀들이 유실되는 </a:t>
+            </a:r>
+            <a:r>
+              <a:rPr lang="en-US" altLang="ko-KR" dirty="0" smtClean="0">
+                <a:solidFill>
+                  <a:schemeClr val="tx1"/>
+                </a:solidFill>
+              </a:rPr>
+              <a:t>Clipping </a:t>
+            </a:r>
+            <a:r>
+              <a:rPr lang="ko-KR" altLang="en-US" dirty="0" smtClean="0">
+                <a:solidFill>
+                  <a:schemeClr val="tx1"/>
+                </a:solidFill>
+              </a:rPr>
+              <a:t>현상이 발생함</a:t>
+            </a:r>
+            <a:r>
+              <a:rPr lang="en-US" altLang="ko-KR" dirty="0" smtClean="0">
+                <a:solidFill>
+                  <a:schemeClr val="tx1"/>
+                </a:solidFill>
+              </a:rPr>
+              <a:t>.</a:t>
+            </a:r>
+          </a:p>
+        </p:txBody>
+      </p:sp>
     </p:spTree>
     <p:extLst>
       <p:ext uri="{BB962C8B-B14F-4D97-AF65-F5344CB8AC3E}">
-        <p14:creationId xmlns:p14="http://schemas.microsoft.com/office/powerpoint/2010/main" xmlns="" val="3515428851"/>
+        <p14:creationId xmlns="" xmlns:p14="http://schemas.microsoft.com/office/powerpoint/2010/main" val="3515428851"/>
       </p:ext>
     </p:extLst>
   </p:cSld>
@@ -8244,7 +10915,7 @@
   <a:extraClrSchemeLst/>
   <a:extLst>
     <a:ext uri="{05A4C25C-085E-4340-85A3-A5531E510DB2}">
-      <thm15:themeFamily xmlns:thm15="http://schemas.microsoft.com/office/thememl/2012/main" xmlns="" name="Office Theme" id="{62F939B6-93AF-4DB8-9C6B-D6C7DFDC589F}" vid="{4A3C46E8-61CC-4603-A589-7422A47A8E4A}"/>
+      <thm15:themeFamily xmlns="" xmlns:thm15="http://schemas.microsoft.com/office/thememl/2012/main" name="Office Theme" id="{62F939B6-93AF-4DB8-9C6B-D6C7DFDC589F}" vid="{4A3C46E8-61CC-4603-A589-7422A47A8E4A}"/>
     </a:ext>
   </a:extLst>
 </a:theme>
@@ -8505,7 +11176,7 @@
   <a:extraClrSchemeLst/>
   <a:extLst>
     <a:ext uri="{05A4C25C-085E-4340-85A3-A5531E510DB2}">
-      <thm15:themeFamily xmlns:thm15="http://schemas.microsoft.com/office/thememl/2012/main" xmlns="" name="Office Theme" id="{62F939B6-93AF-4DB8-9C6B-D6C7DFDC589F}" vid="{4A3C46E8-61CC-4603-A589-7422A47A8E4A}"/>
+      <thm15:themeFamily xmlns="" xmlns:thm15="http://schemas.microsoft.com/office/thememl/2012/main" name="Office Theme" id="{62F939B6-93AF-4DB8-9C6B-D6C7DFDC589F}" vid="{4A3C46E8-61CC-4603-A589-7422A47A8E4A}"/>
     </a:ext>
   </a:extLst>
 </a:theme>
